--- a/JS/010_lesson/Presentation/http_protocol_ajax.pptx
+++ b/JS/010_lesson/Presentation/http_protocol_ajax.pptx
@@ -118,7 +118,7 @@
   </p:defaultTextStyle>
   <p:extLst>
     <p:ext uri="{EFAFB233-063F-42B5-8137-9DF3F51BA10A}">
-      <p15:sldGuideLst xmlns:p15="http://schemas.microsoft.com/office/powerpoint/2012/main" xmlns="">
+      <p15:sldGuideLst xmlns="" xmlns:p15="http://schemas.microsoft.com/office/powerpoint/2012/main">
         <p15:guide id="1" orient="horz" pos="1620">
           <p15:clr>
             <a:srgbClr val="A4A3A4"/>
@@ -142,7 +142,7 @@
       </p15:sldGuideLst>
     </p:ext>
     <p:ext uri="{2D200454-40CA-4A62-9FC3-DE9A4176ACB9}">
-      <p15:notesGuideLst xmlns:p15="http://schemas.microsoft.com/office/powerpoint/2012/main" xmlns="">
+      <p15:notesGuideLst xmlns="" xmlns:p15="http://schemas.microsoft.com/office/powerpoint/2012/main">
         <p15:guide id="1" orient="horz" pos="2880">
           <p15:clr>
             <a:srgbClr val="A4A3A4"/>
@@ -242,7 +242,7 @@
             <a:fld id="{C1951A84-8083-4F68-A786-57C80B44AB3C}" type="datetimeFigureOut">
               <a:rPr lang="en-US" smtClean="0"/>
               <a:pPr/>
-              <a:t>6/17/2016</a:t>
+              <a:t>7/28/2016</a:t>
             </a:fld>
             <a:endParaRPr lang="en-US"/>
           </a:p>
@@ -318,7 +318,7 @@
     </p:spTree>
     <p:extLst>
       <p:ext uri="{BB962C8B-B14F-4D97-AF65-F5344CB8AC3E}">
-        <p14:creationId xmlns:p14="http://schemas.microsoft.com/office/powerpoint/2010/main" xmlns="" val="171833131"/>
+        <p14:creationId xmlns="" xmlns:p14="http://schemas.microsoft.com/office/powerpoint/2010/main" val="171833131"/>
       </p:ext>
     </p:extLst>
   </p:cSld>
@@ -409,7 +409,7 @@
             <a:fld id="{F938EB94-4B54-4539-BEE7-C3885B42E71C}" type="datetimeFigureOut">
               <a:rPr lang="en-US" smtClean="0"/>
               <a:pPr/>
-              <a:t>6/17/2016</a:t>
+              <a:t>7/28/2016</a:t>
             </a:fld>
             <a:endParaRPr lang="en-US"/>
           </a:p>
@@ -578,7 +578,7 @@
     </p:spTree>
     <p:extLst>
       <p:ext uri="{BB962C8B-B14F-4D97-AF65-F5344CB8AC3E}">
-        <p14:creationId xmlns:p14="http://schemas.microsoft.com/office/powerpoint/2010/main" xmlns="" val="4273275644"/>
+        <p14:creationId xmlns="" xmlns:p14="http://schemas.microsoft.com/office/powerpoint/2010/main" val="4273275644"/>
       </p:ext>
     </p:extLst>
   </p:cSld>
@@ -1185,7 +1185,7 @@
     </p:spTree>
     <p:extLst>
       <p:ext uri="{BB962C8B-B14F-4D97-AF65-F5344CB8AC3E}">
-        <p14:creationId xmlns:p14="http://schemas.microsoft.com/office/powerpoint/2010/main" xmlns="" val="3537187278"/>
+        <p14:creationId xmlns="" xmlns:p14="http://schemas.microsoft.com/office/powerpoint/2010/main" val="3537187278"/>
       </p:ext>
     </p:extLst>
   </p:cSld>
@@ -1231,7 +1231,7 @@
           <a:blip r:embed="rId2" cstate="print">
             <a:extLst>
               <a:ext uri="{28A0092B-C50C-407E-A947-70E740481C1C}">
-                <a14:useLocalDpi xmlns:a14="http://schemas.microsoft.com/office/drawing/2010/main" xmlns="" val="0"/>
+                <a14:useLocalDpi xmlns="" xmlns:a14="http://schemas.microsoft.com/office/drawing/2010/main" val="0"/>
               </a:ext>
             </a:extLst>
           </a:blip>
@@ -1255,14 +1255,14 @@
           <a:effectLst/>
           <a:extLst>
             <a:ext uri="{909E8E84-426E-40DD-AFC4-6F175D3DCCD1}">
-              <a14:hiddenFill xmlns:a14="http://schemas.microsoft.com/office/drawing/2010/main" xmlns="">
+              <a14:hiddenFill xmlns="" xmlns:a14="http://schemas.microsoft.com/office/drawing/2010/main">
                 <a:solidFill>
                   <a:schemeClr val="accent1"/>
                 </a:solidFill>
               </a14:hiddenFill>
             </a:ext>
             <a:ext uri="{91240B29-F687-4F45-9708-019B960494DF}">
-              <a14:hiddenLine xmlns:a14="http://schemas.microsoft.com/office/drawing/2010/main" xmlns="" w="9525">
+              <a14:hiddenLine xmlns="" xmlns:a14="http://schemas.microsoft.com/office/drawing/2010/main" w="9525">
                 <a:solidFill>
                   <a:schemeClr val="tx1"/>
                 </a:solidFill>
@@ -1272,7 +1272,7 @@
               </a14:hiddenLine>
             </a:ext>
             <a:ext uri="{AF507438-7753-43E0-B8FC-AC1667EBCBE1}">
-              <a14:hiddenEffects xmlns:a14="http://schemas.microsoft.com/office/drawing/2010/main" xmlns="">
+              <a14:hiddenEffects xmlns="" xmlns:a14="http://schemas.microsoft.com/office/drawing/2010/main">
                 <a:effectLst>
                   <a:outerShdw dist="35921" dir="2700000" algn="ctr" rotWithShape="0">
                     <a:schemeClr val="bg2"/>
@@ -1413,7 +1413,7 @@
     </p:spTree>
     <p:extLst>
       <p:ext uri="{BB962C8B-B14F-4D97-AF65-F5344CB8AC3E}">
-        <p14:creationId xmlns:p14="http://schemas.microsoft.com/office/powerpoint/2010/main" xmlns="" val="2097366919"/>
+        <p14:creationId xmlns="" xmlns:p14="http://schemas.microsoft.com/office/powerpoint/2010/main" val="2097366919"/>
       </p:ext>
     </p:extLst>
   </p:cSld>
@@ -1488,7 +1488,7 @@
     </p:spTree>
     <p:extLst>
       <p:ext uri="{BB962C8B-B14F-4D97-AF65-F5344CB8AC3E}">
-        <p14:creationId xmlns:p14="http://schemas.microsoft.com/office/powerpoint/2010/main" xmlns="" val="779007194"/>
+        <p14:creationId xmlns="" xmlns:p14="http://schemas.microsoft.com/office/powerpoint/2010/main" val="779007194"/>
       </p:ext>
     </p:extLst>
   </p:cSld>
@@ -1816,7 +1816,9 @@
           <a:lstStyle/>
           <a:p>
             <a:pPr algn="ctr"/>
-            <a:endParaRPr lang="en-US" dirty="0"/>
+            <a:endParaRPr lang="en-US" dirty="0">
+              <a:latin typeface="Calibri" pitchFamily="34" charset="0"/>
+            </a:endParaRPr>
           </a:p>
         </p:txBody>
       </p:sp>
@@ -1847,7 +1849,7 @@
                 <a:solidFill>
                   <a:schemeClr val="bg1"/>
                 </a:solidFill>
-                <a:latin typeface="Roboto Thin" panose="02000000000000000000" pitchFamily="2" charset="0"/>
+                <a:latin typeface="Calibri" pitchFamily="34" charset="0"/>
                 <a:ea typeface="Roboto Thin" panose="02000000000000000000" pitchFamily="2" charset="0"/>
                 <a:cs typeface="Roboto Thin" panose="02000000000000000000" pitchFamily="2" charset="0"/>
               </a:rPr>
@@ -1858,7 +1860,7 @@
                 <a:solidFill>
                   <a:schemeClr val="bg1"/>
                 </a:solidFill>
-                <a:latin typeface="Roboto Thin" panose="02000000000000000000" pitchFamily="2" charset="0"/>
+                <a:latin typeface="Calibri" pitchFamily="34" charset="0"/>
                 <a:ea typeface="Roboto Thin" panose="02000000000000000000" pitchFamily="2" charset="0"/>
                 <a:cs typeface="Roboto Thin" panose="02000000000000000000" pitchFamily="2" charset="0"/>
               </a:rPr>
@@ -1869,7 +1871,7 @@
                 <a:solidFill>
                   <a:schemeClr val="bg1"/>
                 </a:solidFill>
-                <a:latin typeface="Roboto Thin" panose="02000000000000000000" pitchFamily="2" charset="0"/>
+                <a:latin typeface="Calibri" pitchFamily="34" charset="0"/>
                 <a:ea typeface="Roboto Thin" panose="02000000000000000000" pitchFamily="2" charset="0"/>
                 <a:cs typeface="Roboto Thin" panose="02000000000000000000" pitchFamily="2" charset="0"/>
               </a:rPr>
@@ -1879,7 +1881,7 @@
               <a:solidFill>
                 <a:srgbClr val="7564BC"/>
               </a:solidFill>
-              <a:latin typeface="Roboto Thin" panose="02000000000000000000" pitchFamily="2" charset="0"/>
+              <a:latin typeface="Calibri" pitchFamily="34" charset="0"/>
               <a:ea typeface="Roboto Thin" panose="02000000000000000000" pitchFamily="2" charset="0"/>
               <a:cs typeface="Roboto Thin" panose="02000000000000000000" pitchFamily="2" charset="0"/>
             </a:endParaRPr>
@@ -2071,7 +2073,7 @@
                     <a:lumOff val="10000"/>
                   </a:schemeClr>
                 </a:solidFill>
-                <a:latin typeface="Roboto Light" panose="02000000000000000000" pitchFamily="2" charset="0"/>
+                <a:latin typeface="Calibri" pitchFamily="34" charset="0"/>
                 <a:ea typeface="Roboto Light" panose="02000000000000000000" pitchFamily="2" charset="0"/>
                 <a:cs typeface="Roboto Light" panose="02000000000000000000" pitchFamily="2" charset="0"/>
               </a:rPr>
@@ -2084,7 +2086,7 @@
                   <a:lumOff val="10000"/>
                 </a:schemeClr>
               </a:solidFill>
-              <a:latin typeface="Roboto Light" panose="02000000000000000000" pitchFamily="2" charset="0"/>
+              <a:latin typeface="Calibri" pitchFamily="34" charset="0"/>
               <a:ea typeface="Roboto Light" panose="02000000000000000000" pitchFamily="2" charset="0"/>
               <a:cs typeface="Roboto Light" panose="02000000000000000000" pitchFamily="2" charset="0"/>
             </a:endParaRPr>
@@ -2103,7 +2105,7 @@
           <a:blip r:embed="rId2" cstate="print">
             <a:extLst>
               <a:ext uri="{28A0092B-C50C-407E-A947-70E740481C1C}">
-                <a14:useLocalDpi xmlns:a14="http://schemas.microsoft.com/office/drawing/2010/main" xmlns="" val="0"/>
+                <a14:useLocalDpi xmlns="" xmlns:a14="http://schemas.microsoft.com/office/drawing/2010/main" val="0"/>
               </a:ext>
             </a:extLst>
           </a:blip>
@@ -2123,7 +2125,7 @@
           <a:noFill/>
           <a:extLst>
             <a:ext uri="{909E8E84-426E-40DD-AFC4-6F175D3DCCD1}">
-              <a14:hiddenFill xmlns:a14="http://schemas.microsoft.com/office/drawing/2010/main" xmlns="">
+              <a14:hiddenFill xmlns="" xmlns:a14="http://schemas.microsoft.com/office/drawing/2010/main">
                 <a:solidFill>
                   <a:srgbClr val="FFFFFF"/>
                 </a:solidFill>
@@ -2155,24 +2157,26 @@
           <a:lstStyle/>
           <a:p>
             <a:r>
-              <a:rPr lang="en-US" sz="4400" b="1" dirty="0" smtClean="0">
+              <a:rPr lang="en-US" sz="4400" dirty="0" smtClean="0">
                 <a:solidFill>
                   <a:srgbClr val="7564BC"/>
                 </a:solidFill>
-                <a:latin typeface="Roboto Black" panose="02000000000000000000" pitchFamily="2" charset="0"/>
+                <a:latin typeface="Calibri" pitchFamily="34" charset="0"/>
                 <a:ea typeface="Roboto Black" panose="02000000000000000000" pitchFamily="2" charset="0"/>
                 <a:cs typeface="Roboto Black" panose="02000000000000000000" pitchFamily="2" charset="0"/>
               </a:rPr>
-              <a:t>AJAX.</a:t>
-            </a:r>
-            <a:endParaRPr lang="en-US" b="1" dirty="0"/>
+              <a:t>AJAX</a:t>
+            </a:r>
+            <a:endParaRPr lang="en-US" dirty="0">
+              <a:latin typeface="Calibri" pitchFamily="34" charset="0"/>
+            </a:endParaRPr>
           </a:p>
         </p:txBody>
       </p:sp>
     </p:spTree>
     <p:extLst>
       <p:ext uri="{BB962C8B-B14F-4D97-AF65-F5344CB8AC3E}">
-        <p14:creationId xmlns:p14="http://schemas.microsoft.com/office/powerpoint/2010/main" xmlns="" val="3436223543"/>
+        <p14:creationId xmlns="" xmlns:p14="http://schemas.microsoft.com/office/powerpoint/2010/main" val="3436223543"/>
       </p:ext>
     </p:extLst>
   </p:cSld>
@@ -2222,14 +2226,20 @@
           <a:lstStyle/>
           <a:p>
             <a:r>
-              <a:rPr lang="en-US" b="1" dirty="0" smtClean="0"/>
+              <a:rPr lang="en-US" dirty="0" smtClean="0">
+                <a:latin typeface="Calibri" pitchFamily="34" charset="0"/>
+              </a:rPr>
               <a:t>HTTP</a:t>
             </a:r>
             <a:r>
-              <a:rPr lang="ru-RU" b="1" dirty="0" smtClean="0"/>
+              <a:rPr lang="ru-RU" dirty="0" smtClean="0">
+                <a:latin typeface="Calibri" pitchFamily="34" charset="0"/>
+              </a:rPr>
               <a:t> протокол</a:t>
             </a:r>
-            <a:endParaRPr lang="en-US" b="1" dirty="0"/>
+            <a:endParaRPr lang="en-US" dirty="0">
+              <a:latin typeface="Calibri" pitchFamily="34" charset="0"/>
+            </a:endParaRPr>
           </a:p>
         </p:txBody>
       </p:sp>
@@ -2401,7 +2411,7 @@
     </p:spTree>
     <p:extLst>
       <p:ext uri="{BB962C8B-B14F-4D97-AF65-F5344CB8AC3E}">
-        <p14:creationId xmlns:p14="http://schemas.microsoft.com/office/powerpoint/2010/main" xmlns="" val="9290874"/>
+        <p14:creationId xmlns="" xmlns:p14="http://schemas.microsoft.com/office/powerpoint/2010/main" val="9290874"/>
       </p:ext>
     </p:extLst>
   </p:cSld>
@@ -2451,22 +2461,32 @@
           <a:lstStyle/>
           <a:p>
             <a:r>
-              <a:rPr lang="en-US" b="1" dirty="0" smtClean="0"/>
+              <a:rPr lang="en-US" dirty="0" smtClean="0">
+                <a:latin typeface="Calibri" pitchFamily="34" charset="0"/>
+              </a:rPr>
               <a:t>HTTP </a:t>
             </a:r>
             <a:r>
-              <a:rPr lang="uk-UA" b="1" dirty="0" err="1" smtClean="0"/>
+              <a:rPr lang="uk-UA" dirty="0" err="1" smtClean="0">
+                <a:latin typeface="Calibri" pitchFamily="34" charset="0"/>
+              </a:rPr>
               <a:t>глаголы</a:t>
             </a:r>
             <a:r>
-              <a:rPr lang="uk-UA" b="1" dirty="0" smtClean="0"/>
+              <a:rPr lang="uk-UA" dirty="0" smtClean="0">
+                <a:latin typeface="Calibri" pitchFamily="34" charset="0"/>
+              </a:rPr>
               <a:t> (</a:t>
             </a:r>
             <a:r>
-              <a:rPr lang="en-US" b="1" dirty="0" smtClean="0"/>
+              <a:rPr lang="en-US" dirty="0" smtClean="0">
+                <a:latin typeface="Calibri" pitchFamily="34" charset="0"/>
+              </a:rPr>
               <a:t>verbs)</a:t>
             </a:r>
-            <a:endParaRPr lang="en-US" b="1" dirty="0"/>
+            <a:endParaRPr lang="en-US" dirty="0">
+              <a:latin typeface="Calibri" pitchFamily="34" charset="0"/>
+            </a:endParaRPr>
           </a:p>
         </p:txBody>
       </p:sp>
@@ -2559,13 +2579,13 @@
                     <a:lstStyle/>
                     <a:p>
                       <a:r>
-                        <a:rPr lang="en-US" dirty="0" smtClean="0">
+                        <a:rPr lang="en-US" sz="1800" dirty="0" smtClean="0">
                           <a:latin typeface="Calibri" pitchFamily="34" charset="0"/>
                           <a:cs typeface="Calibri" pitchFamily="34" charset="0"/>
                         </a:rPr>
                         <a:t>OPTIONS</a:t>
                       </a:r>
-                      <a:endParaRPr lang="en-US" dirty="0">
+                      <a:endParaRPr lang="en-US" sz="1800" dirty="0">
                         <a:latin typeface="Calibri" pitchFamily="34" charset="0"/>
                         <a:cs typeface="Calibri" pitchFamily="34" charset="0"/>
                       </a:endParaRPr>
@@ -2579,34 +2599,34 @@
                     <a:lstStyle/>
                     <a:p>
                       <a:r>
-                        <a:rPr lang="ru-RU" dirty="0" smtClean="0">
+                        <a:rPr lang="ru-RU" sz="1800" dirty="0" smtClean="0">
                           <a:latin typeface="Calibri" pitchFamily="34" charset="0"/>
                           <a:cs typeface="Calibri" pitchFamily="34" charset="0"/>
                         </a:rPr>
                         <a:t>Используется</a:t>
                       </a:r>
                       <a:r>
-                        <a:rPr lang="ru-RU" baseline="0" dirty="0" smtClean="0">
+                        <a:rPr lang="ru-RU" sz="1800" baseline="0" dirty="0" smtClean="0">
                           <a:latin typeface="Calibri" pitchFamily="34" charset="0"/>
                           <a:cs typeface="Calibri" pitchFamily="34" charset="0"/>
                         </a:rPr>
                         <a:t> </a:t>
                       </a:r>
                       <a:r>
-                        <a:rPr lang="ru-RU" baseline="0" dirty="0" err="1" smtClean="0">
+                        <a:rPr lang="ru-RU" sz="1800" baseline="0" dirty="0" err="1" smtClean="0">
                           <a:latin typeface="Calibri" pitchFamily="34" charset="0"/>
                           <a:cs typeface="Calibri" pitchFamily="34" charset="0"/>
                         </a:rPr>
                         <a:t>клиентсикм</a:t>
                       </a:r>
                       <a:r>
-                        <a:rPr lang="ru-RU" baseline="0" dirty="0" smtClean="0">
+                        <a:rPr lang="ru-RU" sz="1800" baseline="0" dirty="0" smtClean="0">
                           <a:latin typeface="Calibri" pitchFamily="34" charset="0"/>
                           <a:cs typeface="Calibri" pitchFamily="34" charset="0"/>
                         </a:rPr>
                         <a:t> приложением для получения списка доступных глаголов</a:t>
                       </a:r>
-                      <a:endParaRPr lang="en-US" dirty="0">
+                      <a:endParaRPr lang="en-US" sz="1800" dirty="0">
                         <a:latin typeface="Calibri" pitchFamily="34" charset="0"/>
                         <a:cs typeface="Calibri" pitchFamily="34" charset="0"/>
                       </a:endParaRPr>
@@ -2622,13 +2642,13 @@
                     <a:lstStyle/>
                     <a:p>
                       <a:r>
-                        <a:rPr lang="en-US" b="1" dirty="0" smtClean="0">
+                        <a:rPr lang="en-US" sz="1800" b="1" dirty="0" smtClean="0">
                           <a:latin typeface="Calibri" pitchFamily="34" charset="0"/>
                           <a:cs typeface="Calibri" pitchFamily="34" charset="0"/>
                         </a:rPr>
                         <a:t>GET</a:t>
                       </a:r>
-                      <a:endParaRPr lang="en-US" b="1" dirty="0">
+                      <a:endParaRPr lang="en-US" sz="1800" b="1" dirty="0">
                         <a:latin typeface="Calibri" pitchFamily="34" charset="0"/>
                         <a:cs typeface="Calibri" pitchFamily="34" charset="0"/>
                       </a:endParaRPr>
@@ -2642,13 +2662,13 @@
                     <a:lstStyle/>
                     <a:p>
                       <a:r>
-                        <a:rPr lang="ru-RU" dirty="0" smtClean="0">
+                        <a:rPr lang="ru-RU" sz="1800" dirty="0" smtClean="0">
                           <a:latin typeface="Calibri" pitchFamily="34" charset="0"/>
                           <a:cs typeface="Calibri" pitchFamily="34" charset="0"/>
                         </a:rPr>
                         <a:t>Получение данных с сервера. </a:t>
                       </a:r>
-                      <a:endParaRPr lang="en-US" dirty="0">
+                      <a:endParaRPr lang="en-US" sz="1800" dirty="0">
                         <a:latin typeface="Calibri" pitchFamily="34" charset="0"/>
                         <a:cs typeface="Calibri" pitchFamily="34" charset="0"/>
                       </a:endParaRPr>
@@ -2664,13 +2684,13 @@
                     <a:lstStyle/>
                     <a:p>
                       <a:r>
-                        <a:rPr lang="en-US" dirty="0" smtClean="0">
+                        <a:rPr lang="en-US" sz="1800" dirty="0" smtClean="0">
                           <a:latin typeface="Calibri" pitchFamily="34" charset="0"/>
                           <a:cs typeface="Calibri" pitchFamily="34" charset="0"/>
                         </a:rPr>
                         <a:t>HEAD</a:t>
                       </a:r>
-                      <a:endParaRPr lang="en-US" dirty="0">
+                      <a:endParaRPr lang="en-US" sz="1800" dirty="0">
                         <a:latin typeface="Calibri" pitchFamily="34" charset="0"/>
                         <a:cs typeface="Calibri" pitchFamily="34" charset="0"/>
                       </a:endParaRPr>
@@ -2684,20 +2704,20 @@
                     <a:lstStyle/>
                     <a:p>
                       <a:r>
-                        <a:rPr lang="ru-RU" dirty="0" smtClean="0">
+                        <a:rPr lang="ru-RU" sz="1800" dirty="0" smtClean="0">
                           <a:latin typeface="Calibri" pitchFamily="34" charset="0"/>
                           <a:cs typeface="Calibri" pitchFamily="34" charset="0"/>
                         </a:rPr>
                         <a:t>Получение метаданных (заголовков) ресурса.</a:t>
                       </a:r>
                       <a:r>
-                        <a:rPr lang="ru-RU" baseline="0" dirty="0" smtClean="0">
+                        <a:rPr lang="ru-RU" sz="1800" baseline="0" dirty="0" smtClean="0">
                           <a:latin typeface="Calibri" pitchFamily="34" charset="0"/>
                           <a:cs typeface="Calibri" pitchFamily="34" charset="0"/>
                         </a:rPr>
                         <a:t> При данном запросе ресурс не возвращается. </a:t>
                       </a:r>
-                      <a:endParaRPr lang="en-US" dirty="0">
+                      <a:endParaRPr lang="en-US" sz="1800" dirty="0">
                         <a:latin typeface="Calibri" pitchFamily="34" charset="0"/>
                         <a:cs typeface="Calibri" pitchFamily="34" charset="0"/>
                       </a:endParaRPr>
@@ -2713,13 +2733,13 @@
                     <a:lstStyle/>
                     <a:p>
                       <a:r>
-                        <a:rPr lang="en-US" b="1" dirty="0" smtClean="0">
+                        <a:rPr lang="en-US" sz="1800" b="1" dirty="0" smtClean="0">
                           <a:latin typeface="Calibri" pitchFamily="34" charset="0"/>
                           <a:cs typeface="Calibri" pitchFamily="34" charset="0"/>
                         </a:rPr>
                         <a:t>POST</a:t>
                       </a:r>
-                      <a:endParaRPr lang="en-US" b="1" dirty="0">
+                      <a:endParaRPr lang="en-US" sz="1800" b="1" dirty="0">
                         <a:latin typeface="Calibri" pitchFamily="34" charset="0"/>
                         <a:cs typeface="Calibri" pitchFamily="34" charset="0"/>
                       </a:endParaRPr>
@@ -2733,20 +2753,20 @@
                     <a:lstStyle/>
                     <a:p>
                       <a:r>
-                        <a:rPr lang="ru-RU" dirty="0" smtClean="0">
+                        <a:rPr lang="ru-RU" sz="1800" dirty="0" smtClean="0">
                           <a:latin typeface="Calibri" pitchFamily="34" charset="0"/>
                           <a:cs typeface="Calibri" pitchFamily="34" charset="0"/>
                         </a:rPr>
                         <a:t>Отправка данных на</a:t>
                       </a:r>
                       <a:r>
-                        <a:rPr lang="ru-RU" baseline="0" dirty="0" smtClean="0">
+                        <a:rPr lang="ru-RU" sz="1800" baseline="0" dirty="0" smtClean="0">
                           <a:latin typeface="Calibri" pitchFamily="34" charset="0"/>
                           <a:cs typeface="Calibri" pitchFamily="34" charset="0"/>
                         </a:rPr>
                         <a:t> сервер для обработки. Обычно данные введенные пользователем в форму на странице.  </a:t>
                       </a:r>
-                      <a:endParaRPr lang="en-US" dirty="0">
+                      <a:endParaRPr lang="en-US" sz="1800" dirty="0">
                         <a:latin typeface="Calibri" pitchFamily="34" charset="0"/>
                         <a:cs typeface="Calibri" pitchFamily="34" charset="0"/>
                       </a:endParaRPr>
@@ -2762,13 +2782,13 @@
                     <a:lstStyle/>
                     <a:p>
                       <a:r>
-                        <a:rPr lang="en-US" dirty="0" smtClean="0">
+                        <a:rPr lang="en-US" sz="1800" dirty="0" smtClean="0">
                           <a:latin typeface="Calibri" pitchFamily="34" charset="0"/>
                           <a:cs typeface="Calibri" pitchFamily="34" charset="0"/>
                         </a:rPr>
                         <a:t>PUT</a:t>
                       </a:r>
-                      <a:endParaRPr lang="en-US" dirty="0">
+                      <a:endParaRPr lang="en-US" sz="1800" dirty="0">
                         <a:latin typeface="Calibri" pitchFamily="34" charset="0"/>
                         <a:cs typeface="Calibri" pitchFamily="34" charset="0"/>
                       </a:endParaRPr>
@@ -2782,48 +2802,48 @@
                     <a:lstStyle/>
                     <a:p>
                       <a:r>
-                        <a:rPr lang="ru-RU" dirty="0" smtClean="0">
+                        <a:rPr lang="ru-RU" sz="1800" dirty="0" smtClean="0">
                           <a:latin typeface="Calibri" pitchFamily="34" charset="0"/>
                           <a:cs typeface="Calibri" pitchFamily="34" charset="0"/>
                         </a:rPr>
                         <a:t>Позволяет клиенту создать ресурс по указанному</a:t>
                       </a:r>
                       <a:r>
-                        <a:rPr lang="ru-RU" baseline="0" dirty="0" smtClean="0">
+                        <a:rPr lang="ru-RU" sz="1800" baseline="0" dirty="0" smtClean="0">
                           <a:latin typeface="Calibri" pitchFamily="34" charset="0"/>
                           <a:cs typeface="Calibri" pitchFamily="34" charset="0"/>
                         </a:rPr>
                         <a:t> </a:t>
                       </a:r>
                       <a:r>
-                        <a:rPr lang="en-US" baseline="0" dirty="0" smtClean="0">
+                        <a:rPr lang="en-US" sz="1800" baseline="0" dirty="0" smtClean="0">
                           <a:latin typeface="Calibri" pitchFamily="34" charset="0"/>
                           <a:cs typeface="Calibri" pitchFamily="34" charset="0"/>
                         </a:rPr>
                         <a:t>URL (</a:t>
                       </a:r>
                       <a:r>
-                        <a:rPr lang="ru-RU" baseline="0" dirty="0" smtClean="0">
+                        <a:rPr lang="ru-RU" sz="1800" baseline="0" dirty="0" smtClean="0">
                           <a:latin typeface="Calibri" pitchFamily="34" charset="0"/>
                           <a:cs typeface="Calibri" pitchFamily="34" charset="0"/>
                         </a:rPr>
                         <a:t>создать файл на сервере</a:t>
                       </a:r>
                       <a:r>
-                        <a:rPr lang="en-US" baseline="0" dirty="0" smtClean="0">
+                        <a:rPr lang="en-US" sz="1800" baseline="0" dirty="0" smtClean="0">
                           <a:latin typeface="Calibri" pitchFamily="34" charset="0"/>
                           <a:cs typeface="Calibri" pitchFamily="34" charset="0"/>
                         </a:rPr>
                         <a:t>)</a:t>
                       </a:r>
                       <a:r>
-                        <a:rPr lang="ru-RU" baseline="0" dirty="0" smtClean="0">
+                        <a:rPr lang="ru-RU" sz="1800" baseline="0" dirty="0" smtClean="0">
                           <a:latin typeface="Calibri" pitchFamily="34" charset="0"/>
                           <a:cs typeface="Calibri" pitchFamily="34" charset="0"/>
                         </a:rPr>
                         <a:t>.  </a:t>
                       </a:r>
-                      <a:endParaRPr lang="en-US" dirty="0">
+                      <a:endParaRPr lang="en-US" sz="1800" dirty="0">
                         <a:latin typeface="Calibri" pitchFamily="34" charset="0"/>
                         <a:cs typeface="Calibri" pitchFamily="34" charset="0"/>
                       </a:endParaRPr>
@@ -2839,13 +2859,13 @@
                     <a:lstStyle/>
                     <a:p>
                       <a:r>
-                        <a:rPr lang="en-US" dirty="0" smtClean="0">
+                        <a:rPr lang="en-US" sz="1800" dirty="0" smtClean="0">
                           <a:latin typeface="Calibri" pitchFamily="34" charset="0"/>
                           <a:cs typeface="Calibri" pitchFamily="34" charset="0"/>
                         </a:rPr>
                         <a:t>DELETE</a:t>
                       </a:r>
-                      <a:endParaRPr lang="en-US" dirty="0">
+                      <a:endParaRPr lang="en-US" sz="1800" dirty="0">
                         <a:latin typeface="Calibri" pitchFamily="34" charset="0"/>
                         <a:cs typeface="Calibri" pitchFamily="34" charset="0"/>
                       </a:endParaRPr>
@@ -2859,20 +2879,20 @@
                     <a:lstStyle/>
                     <a:p>
                       <a:r>
-                        <a:rPr lang="ru-RU" dirty="0" smtClean="0">
+                        <a:rPr lang="ru-RU" sz="1800" dirty="0" smtClean="0">
                           <a:latin typeface="Calibri" pitchFamily="34" charset="0"/>
                           <a:cs typeface="Calibri" pitchFamily="34" charset="0"/>
                         </a:rPr>
                         <a:t>Удаление ресурса</a:t>
                       </a:r>
                       <a:r>
-                        <a:rPr lang="ru-RU" baseline="0" dirty="0" smtClean="0">
+                        <a:rPr lang="ru-RU" sz="1800" baseline="0" dirty="0" smtClean="0">
                           <a:latin typeface="Calibri" pitchFamily="34" charset="0"/>
                           <a:cs typeface="Calibri" pitchFamily="34" charset="0"/>
                         </a:rPr>
                         <a:t> на сервере. </a:t>
                       </a:r>
-                      <a:endParaRPr lang="en-US" dirty="0">
+                      <a:endParaRPr lang="en-US" sz="1800" dirty="0">
                         <a:latin typeface="Calibri" pitchFamily="34" charset="0"/>
                         <a:cs typeface="Calibri" pitchFamily="34" charset="0"/>
                       </a:endParaRPr>
@@ -2888,13 +2908,13 @@
                     <a:lstStyle/>
                     <a:p>
                       <a:r>
-                        <a:rPr lang="en-US" dirty="0" smtClean="0">
+                        <a:rPr lang="en-US" sz="1800" dirty="0" smtClean="0">
                           <a:latin typeface="Calibri" pitchFamily="34" charset="0"/>
                           <a:cs typeface="Calibri" pitchFamily="34" charset="0"/>
                         </a:rPr>
                         <a:t>CONNECT</a:t>
                       </a:r>
-                      <a:endParaRPr lang="en-US" dirty="0">
+                      <a:endParaRPr lang="en-US" sz="1800" dirty="0">
                         <a:latin typeface="Calibri" pitchFamily="34" charset="0"/>
                         <a:cs typeface="Calibri" pitchFamily="34" charset="0"/>
                       </a:endParaRPr>
@@ -2908,27 +2928,27 @@
                     <a:lstStyle/>
                     <a:p>
                       <a:r>
-                        <a:rPr lang="ru-RU" dirty="0" smtClean="0">
+                        <a:rPr lang="ru-RU" sz="1800" dirty="0" smtClean="0">
                           <a:latin typeface="Calibri" pitchFamily="34" charset="0"/>
                           <a:cs typeface="Calibri" pitchFamily="34" charset="0"/>
                         </a:rPr>
                         <a:t>Команда для использования </a:t>
                       </a:r>
                       <a:r>
-                        <a:rPr lang="ru-RU" dirty="0" err="1" smtClean="0">
+                        <a:rPr lang="ru-RU" sz="1800" dirty="0" err="1" smtClean="0">
                           <a:latin typeface="Calibri" pitchFamily="34" charset="0"/>
                           <a:cs typeface="Calibri" pitchFamily="34" charset="0"/>
                         </a:rPr>
                         <a:t>прокси</a:t>
                       </a:r>
                       <a:r>
-                        <a:rPr lang="ru-RU" baseline="0" dirty="0" smtClean="0">
+                        <a:rPr lang="ru-RU" sz="1800" baseline="0" dirty="0" smtClean="0">
                           <a:latin typeface="Calibri" pitchFamily="34" charset="0"/>
                           <a:cs typeface="Calibri" pitchFamily="34" charset="0"/>
                         </a:rPr>
                         <a:t> серверами. </a:t>
                       </a:r>
-                      <a:endParaRPr lang="en-US" dirty="0">
+                      <a:endParaRPr lang="en-US" sz="1800" dirty="0">
                         <a:latin typeface="Calibri" pitchFamily="34" charset="0"/>
                         <a:cs typeface="Calibri" pitchFamily="34" charset="0"/>
                       </a:endParaRPr>
@@ -2944,7 +2964,7 @@
     </p:spTree>
     <p:extLst>
       <p:ext uri="{BB962C8B-B14F-4D97-AF65-F5344CB8AC3E}">
-        <p14:creationId xmlns:p14="http://schemas.microsoft.com/office/powerpoint/2010/main" xmlns="" val="4126915530"/>
+        <p14:creationId xmlns="" xmlns:p14="http://schemas.microsoft.com/office/powerpoint/2010/main" val="4126915530"/>
       </p:ext>
     </p:extLst>
   </p:cSld>
@@ -2994,18 +3014,20 @@
           <a:lstStyle/>
           <a:p>
             <a:r>
-              <a:rPr lang="en-US" b="1" dirty="0" smtClean="0"/>
+              <a:rPr lang="en-US" dirty="0" smtClean="0">
+                <a:latin typeface="Calibri" pitchFamily="34" charset="0"/>
+              </a:rPr>
               <a:t>HTTP</a:t>
             </a:r>
             <a:r>
-              <a:rPr lang="ru-RU" b="1" dirty="0" smtClean="0"/>
-              <a:t> </a:t>
-            </a:r>
-            <a:r>
-              <a:rPr lang="ru-RU" b="1" dirty="0" smtClean="0"/>
-              <a:t>протокол </a:t>
-            </a:r>
-            <a:endParaRPr lang="en-US" dirty="0"/>
+              <a:rPr lang="ru-RU" dirty="0" smtClean="0">
+                <a:latin typeface="Calibri" pitchFamily="34" charset="0"/>
+              </a:rPr>
+              <a:t> протокол </a:t>
+            </a:r>
+            <a:endParaRPr lang="en-US" dirty="0">
+              <a:latin typeface="Calibri" pitchFamily="34" charset="0"/>
+            </a:endParaRPr>
           </a:p>
         </p:txBody>
       </p:sp>
@@ -3039,17 +3061,19 @@
                     <a:p>
                       <a:pPr algn="ctr"/>
                       <a:r>
-                        <a:rPr lang="ru-RU" b="1" dirty="0" smtClean="0">
+                        <a:rPr lang="ru-RU" sz="1800" b="1" dirty="0" smtClean="0">
                           <a:solidFill>
                             <a:schemeClr val="bg1"/>
                           </a:solidFill>
+                          <a:latin typeface="Calibri" pitchFamily="34" charset="0"/>
                         </a:rPr>
                         <a:t>Группа</a:t>
                       </a:r>
-                      <a:endParaRPr lang="en-US" b="1" dirty="0">
+                      <a:endParaRPr lang="en-US" sz="1800" b="1" dirty="0">
                         <a:solidFill>
                           <a:schemeClr val="bg1"/>
                         </a:solidFill>
+                        <a:latin typeface="Calibri" pitchFamily="34" charset="0"/>
                       </a:endParaRPr>
                     </a:p>
                   </a:txBody>
@@ -3062,10 +3086,14 @@
                     <a:p>
                       <a:pPr algn="ctr"/>
                       <a:r>
-                        <a:rPr lang="ru-RU" dirty="0" smtClean="0"/>
+                        <a:rPr lang="ru-RU" sz="1800" dirty="0" smtClean="0">
+                          <a:latin typeface="Calibri" pitchFamily="34" charset="0"/>
+                        </a:rPr>
                         <a:t>Описание</a:t>
                       </a:r>
-                      <a:endParaRPr lang="en-US" dirty="0"/>
+                      <a:endParaRPr lang="en-US" sz="1800" dirty="0">
+                        <a:latin typeface="Calibri" pitchFamily="34" charset="0"/>
+                      </a:endParaRPr>
                     </a:p>
                   </a:txBody>
                   <a:tcPr/>
@@ -3078,20 +3106,20 @@
                     <a:lstStyle/>
                     <a:p>
                       <a:r>
-                        <a:rPr lang="ru-RU" dirty="0" smtClean="0">
+                        <a:rPr lang="ru-RU" sz="1800" dirty="0" smtClean="0">
                           <a:latin typeface="Calibri" pitchFamily="34" charset="0"/>
                           <a:cs typeface="Calibri" pitchFamily="34" charset="0"/>
                         </a:rPr>
                         <a:t>1</a:t>
                       </a:r>
                       <a:r>
-                        <a:rPr lang="en-US" dirty="0" smtClean="0">
+                        <a:rPr lang="en-US" sz="1800" dirty="0" smtClean="0">
                           <a:latin typeface="Calibri" pitchFamily="34" charset="0"/>
                           <a:cs typeface="Calibri" pitchFamily="34" charset="0"/>
                         </a:rPr>
                         <a:t>xx</a:t>
                       </a:r>
-                      <a:endParaRPr lang="en-US" dirty="0">
+                      <a:endParaRPr lang="en-US" sz="1800" dirty="0">
                         <a:latin typeface="Calibri" pitchFamily="34" charset="0"/>
                         <a:cs typeface="Calibri" pitchFamily="34" charset="0"/>
                       </a:endParaRPr>
@@ -3105,20 +3133,20 @@
                     <a:lstStyle/>
                     <a:p>
                       <a:r>
-                        <a:rPr lang="ru-RU" dirty="0" smtClean="0">
+                        <a:rPr lang="ru-RU" sz="1800" dirty="0" smtClean="0">
                           <a:latin typeface="Calibri" pitchFamily="34" charset="0"/>
                           <a:cs typeface="Calibri" pitchFamily="34" charset="0"/>
                         </a:rPr>
                         <a:t>Информационные</a:t>
                       </a:r>
                       <a:r>
-                        <a:rPr lang="ru-RU" baseline="0" dirty="0" smtClean="0">
+                        <a:rPr lang="ru-RU" sz="1800" baseline="0" dirty="0" smtClean="0">
                           <a:latin typeface="Calibri" pitchFamily="34" charset="0"/>
                           <a:cs typeface="Calibri" pitchFamily="34" charset="0"/>
                         </a:rPr>
                         <a:t> </a:t>
                       </a:r>
-                      <a:endParaRPr lang="en-US" dirty="0">
+                      <a:endParaRPr lang="en-US" sz="1800" dirty="0">
                         <a:latin typeface="Calibri" pitchFamily="34" charset="0"/>
                         <a:cs typeface="Calibri" pitchFamily="34" charset="0"/>
                       </a:endParaRPr>
@@ -3134,13 +3162,13 @@
                     <a:lstStyle/>
                     <a:p>
                       <a:r>
-                        <a:rPr lang="en-US" dirty="0" err="1" smtClean="0">
+                        <a:rPr lang="en-US" sz="1800" dirty="0" err="1" smtClean="0">
                           <a:latin typeface="Calibri" pitchFamily="34" charset="0"/>
                           <a:cs typeface="Calibri" pitchFamily="34" charset="0"/>
                         </a:rPr>
                         <a:t>2xx</a:t>
                       </a:r>
-                      <a:endParaRPr lang="en-US" dirty="0">
+                      <a:endParaRPr lang="en-US" sz="1800" dirty="0">
                         <a:latin typeface="Calibri" pitchFamily="34" charset="0"/>
                         <a:cs typeface="Calibri" pitchFamily="34" charset="0"/>
                       </a:endParaRPr>
@@ -3154,20 +3182,20 @@
                     <a:lstStyle/>
                     <a:p>
                       <a:r>
-                        <a:rPr lang="ru-RU" dirty="0" smtClean="0">
+                        <a:rPr lang="ru-RU" sz="1800" dirty="0" smtClean="0">
                           <a:latin typeface="Calibri" pitchFamily="34" charset="0"/>
                           <a:cs typeface="Calibri" pitchFamily="34" charset="0"/>
                         </a:rPr>
                         <a:t>Успешное завершение</a:t>
                       </a:r>
                       <a:r>
-                        <a:rPr lang="ru-RU" baseline="0" dirty="0" smtClean="0">
+                        <a:rPr lang="ru-RU" sz="1800" baseline="0" dirty="0" smtClean="0">
                           <a:latin typeface="Calibri" pitchFamily="34" charset="0"/>
                           <a:cs typeface="Calibri" pitchFamily="34" charset="0"/>
                         </a:rPr>
                         <a:t> </a:t>
                       </a:r>
-                      <a:endParaRPr lang="en-US" dirty="0">
+                      <a:endParaRPr lang="en-US" sz="1800" dirty="0">
                         <a:latin typeface="Calibri" pitchFamily="34" charset="0"/>
                         <a:cs typeface="Calibri" pitchFamily="34" charset="0"/>
                       </a:endParaRPr>
@@ -3183,13 +3211,13 @@
                     <a:lstStyle/>
                     <a:p>
                       <a:r>
-                        <a:rPr lang="en-US" dirty="0" err="1" smtClean="0">
+                        <a:rPr lang="en-US" sz="1800" dirty="0" err="1" smtClean="0">
                           <a:latin typeface="Calibri" pitchFamily="34" charset="0"/>
                           <a:cs typeface="Calibri" pitchFamily="34" charset="0"/>
                         </a:rPr>
                         <a:t>3xx</a:t>
                       </a:r>
-                      <a:endParaRPr lang="en-US" dirty="0">
+                      <a:endParaRPr lang="en-US" sz="1800" dirty="0">
                         <a:latin typeface="Calibri" pitchFamily="34" charset="0"/>
                         <a:cs typeface="Calibri" pitchFamily="34" charset="0"/>
                       </a:endParaRPr>
@@ -3203,20 +3231,20 @@
                     <a:lstStyle/>
                     <a:p>
                       <a:r>
-                        <a:rPr lang="ru-RU" dirty="0" smtClean="0">
+                        <a:rPr lang="ru-RU" sz="1800" dirty="0" smtClean="0">
                           <a:latin typeface="Calibri" pitchFamily="34" charset="0"/>
                           <a:cs typeface="Calibri" pitchFamily="34" charset="0"/>
                         </a:rPr>
                         <a:t>Команды </a:t>
                       </a:r>
                       <a:r>
-                        <a:rPr lang="ru-RU" dirty="0" err="1" smtClean="0">
+                        <a:rPr lang="ru-RU" sz="1800" dirty="0" err="1" smtClean="0">
                           <a:latin typeface="Calibri" pitchFamily="34" charset="0"/>
                           <a:cs typeface="Calibri" pitchFamily="34" charset="0"/>
                         </a:rPr>
                         <a:t>перенаправлений</a:t>
                       </a:r>
-                      <a:endParaRPr lang="en-US" dirty="0">
+                      <a:endParaRPr lang="en-US" sz="1800" dirty="0">
                         <a:latin typeface="Calibri" pitchFamily="34" charset="0"/>
                         <a:cs typeface="Calibri" pitchFamily="34" charset="0"/>
                       </a:endParaRPr>
@@ -3232,13 +3260,13 @@
                     <a:lstStyle/>
                     <a:p>
                       <a:r>
-                        <a:rPr lang="en-US" dirty="0" err="1" smtClean="0">
+                        <a:rPr lang="en-US" sz="1800" dirty="0" err="1" smtClean="0">
                           <a:latin typeface="Calibri" pitchFamily="34" charset="0"/>
                           <a:cs typeface="Calibri" pitchFamily="34" charset="0"/>
                         </a:rPr>
                         <a:t>4xx</a:t>
                       </a:r>
-                      <a:endParaRPr lang="en-US" dirty="0">
+                      <a:endParaRPr lang="en-US" sz="1800" dirty="0">
                         <a:latin typeface="Calibri" pitchFamily="34" charset="0"/>
                         <a:cs typeface="Calibri" pitchFamily="34" charset="0"/>
                       </a:endParaRPr>
@@ -3252,20 +3280,20 @@
                     <a:lstStyle/>
                     <a:p>
                       <a:r>
-                        <a:rPr lang="ru-RU" dirty="0" smtClean="0">
+                        <a:rPr lang="ru-RU" sz="1800" dirty="0" smtClean="0">
                           <a:latin typeface="Calibri" pitchFamily="34" charset="0"/>
                           <a:cs typeface="Calibri" pitchFamily="34" charset="0"/>
                         </a:rPr>
                         <a:t>Клиентские ошибки</a:t>
                       </a:r>
                       <a:r>
-                        <a:rPr lang="ru-RU" baseline="0" dirty="0" smtClean="0">
+                        <a:rPr lang="ru-RU" sz="1800" baseline="0" dirty="0" smtClean="0">
                           <a:latin typeface="Calibri" pitchFamily="34" charset="0"/>
                           <a:cs typeface="Calibri" pitchFamily="34" charset="0"/>
                         </a:rPr>
                         <a:t> </a:t>
                       </a:r>
-                      <a:endParaRPr lang="en-US" dirty="0">
+                      <a:endParaRPr lang="en-US" sz="1800" dirty="0">
                         <a:latin typeface="Calibri" pitchFamily="34" charset="0"/>
                         <a:cs typeface="Calibri" pitchFamily="34" charset="0"/>
                       </a:endParaRPr>
@@ -3281,13 +3309,13 @@
                     <a:lstStyle/>
                     <a:p>
                       <a:r>
-                        <a:rPr lang="en-US" dirty="0" err="1" smtClean="0">
+                        <a:rPr lang="en-US" sz="1800" dirty="0" err="1" smtClean="0">
                           <a:latin typeface="Calibri" pitchFamily="34" charset="0"/>
                           <a:cs typeface="Calibri" pitchFamily="34" charset="0"/>
                         </a:rPr>
                         <a:t>5xx</a:t>
                       </a:r>
-                      <a:endParaRPr lang="en-US" dirty="0">
+                      <a:endParaRPr lang="en-US" sz="1800" dirty="0">
                         <a:latin typeface="Calibri" pitchFamily="34" charset="0"/>
                         <a:cs typeface="Calibri" pitchFamily="34" charset="0"/>
                       </a:endParaRPr>
@@ -3301,20 +3329,20 @@
                     <a:lstStyle/>
                     <a:p>
                       <a:r>
-                        <a:rPr lang="ru-RU" dirty="0" smtClean="0">
+                        <a:rPr lang="ru-RU" sz="1800" dirty="0" smtClean="0">
                           <a:latin typeface="Calibri" pitchFamily="34" charset="0"/>
                           <a:cs typeface="Calibri" pitchFamily="34" charset="0"/>
                         </a:rPr>
                         <a:t>Серверные ошибки</a:t>
                       </a:r>
                       <a:r>
-                        <a:rPr lang="ru-RU" baseline="0" dirty="0" smtClean="0">
+                        <a:rPr lang="ru-RU" sz="1800" baseline="0" dirty="0" smtClean="0">
                           <a:latin typeface="Calibri" pitchFamily="34" charset="0"/>
                           <a:cs typeface="Calibri" pitchFamily="34" charset="0"/>
                         </a:rPr>
                         <a:t> </a:t>
                       </a:r>
-                      <a:endParaRPr lang="en-US" dirty="0">
+                      <a:endParaRPr lang="en-US" sz="1800" dirty="0">
                         <a:latin typeface="Calibri" pitchFamily="34" charset="0"/>
                         <a:cs typeface="Calibri" pitchFamily="34" charset="0"/>
                       </a:endParaRPr>
@@ -3367,7 +3395,7 @@
     </p:spTree>
     <p:extLst>
       <p:ext uri="{BB962C8B-B14F-4D97-AF65-F5344CB8AC3E}">
-        <p14:creationId xmlns:p14="http://schemas.microsoft.com/office/powerpoint/2010/main" xmlns="" val="2015409003"/>
+        <p14:creationId xmlns="" xmlns:p14="http://schemas.microsoft.com/office/powerpoint/2010/main" val="2015409003"/>
       </p:ext>
     </p:extLst>
   </p:cSld>
@@ -3417,10 +3445,14 @@
           <a:lstStyle/>
           <a:p>
             <a:r>
-              <a:rPr lang="en-US" b="1" dirty="0" smtClean="0"/>
+              <a:rPr lang="en-US" dirty="0" smtClean="0">
+                <a:latin typeface="Calibri" pitchFamily="34" charset="0"/>
+              </a:rPr>
               <a:t>AJAX</a:t>
             </a:r>
-            <a:endParaRPr lang="en-US" b="1" dirty="0"/>
+            <a:endParaRPr lang="en-US" dirty="0">
+              <a:latin typeface="Calibri" pitchFamily="34" charset="0"/>
+            </a:endParaRPr>
           </a:p>
         </p:txBody>
       </p:sp>
@@ -3458,18 +3490,46 @@
           <a:p>
             <a:pPr algn="just"/>
             <a:r>
-              <a:rPr lang="en-US" b="1" dirty="0" smtClean="0">
+              <a:rPr lang="en-US" dirty="0" smtClean="0">
                 <a:latin typeface="Calibri" pitchFamily="34" charset="0"/>
                 <a:cs typeface="Calibri" pitchFamily="34" charset="0"/>
               </a:rPr>
               <a:t>AJAX</a:t>
             </a:r>
             <a:r>
+              <a:rPr lang="ru-RU" dirty="0" smtClean="0">
+                <a:latin typeface="Calibri" pitchFamily="34" charset="0"/>
+                <a:cs typeface="Calibri" pitchFamily="34" charset="0"/>
+              </a:rPr>
+              <a:t> </a:t>
+            </a:r>
+            <a:r>
               <a:rPr lang="en-US" dirty="0" smtClean="0">
                 <a:latin typeface="Calibri" pitchFamily="34" charset="0"/>
                 <a:cs typeface="Calibri" pitchFamily="34" charset="0"/>
               </a:rPr>
-              <a:t>–Asynchronous JavaScript And XML. </a:t>
+              <a:t>–</a:t>
+            </a:r>
+            <a:r>
+              <a:rPr lang="ru-RU" dirty="0" smtClean="0">
+                <a:latin typeface="Calibri" pitchFamily="34" charset="0"/>
+                <a:cs typeface="Calibri" pitchFamily="34" charset="0"/>
+              </a:rPr>
+              <a:t> </a:t>
+            </a:r>
+            <a:r>
+              <a:rPr lang="en-US" dirty="0" smtClean="0">
+                <a:latin typeface="Calibri" pitchFamily="34" charset="0"/>
+                <a:cs typeface="Calibri" pitchFamily="34" charset="0"/>
+              </a:rPr>
+              <a:t>Asynchronous </a:t>
+            </a:r>
+            <a:r>
+              <a:rPr lang="en-US" dirty="0" smtClean="0">
+                <a:latin typeface="Calibri" pitchFamily="34" charset="0"/>
+                <a:cs typeface="Calibri" pitchFamily="34" charset="0"/>
+              </a:rPr>
+              <a:t>JavaScript And XML. </a:t>
             </a:r>
             <a:r>
               <a:rPr lang="uk-UA" dirty="0" smtClean="0">
@@ -3586,7 +3646,7 @@
     </p:spTree>
     <p:extLst>
       <p:ext uri="{BB962C8B-B14F-4D97-AF65-F5344CB8AC3E}">
-        <p14:creationId xmlns:p14="http://schemas.microsoft.com/office/powerpoint/2010/main" xmlns="" val="384071384"/>
+        <p14:creationId xmlns="" xmlns:p14="http://schemas.microsoft.com/office/powerpoint/2010/main" val="384071384"/>
       </p:ext>
     </p:extLst>
   </p:cSld>
@@ -3636,10 +3696,14 @@
           <a:lstStyle/>
           <a:p>
             <a:r>
-              <a:rPr lang="en-US" b="1" dirty="0" smtClean="0"/>
+              <a:rPr lang="en-US" dirty="0" smtClean="0">
+                <a:latin typeface="Calibri" pitchFamily="34" charset="0"/>
+              </a:rPr>
               <a:t>AJAX</a:t>
             </a:r>
-            <a:endParaRPr lang="en-US" b="1" dirty="0"/>
+            <a:endParaRPr lang="en-US" dirty="0">
+              <a:latin typeface="Calibri" pitchFamily="34" charset="0"/>
+            </a:endParaRPr>
           </a:p>
         </p:txBody>
       </p:sp>
@@ -3749,7 +3813,7 @@
     </p:spTree>
     <p:extLst>
       <p:ext uri="{BB962C8B-B14F-4D97-AF65-F5344CB8AC3E}">
-        <p14:creationId xmlns:p14="http://schemas.microsoft.com/office/powerpoint/2010/main" xmlns="" val="384071384"/>
+        <p14:creationId xmlns="" xmlns:p14="http://schemas.microsoft.com/office/powerpoint/2010/main" val="384071384"/>
       </p:ext>
     </p:extLst>
   </p:cSld>
@@ -3799,10 +3863,14 @@
           <a:lstStyle/>
           <a:p>
             <a:r>
-              <a:rPr lang="en-US" b="1" dirty="0" smtClean="0"/>
+              <a:rPr lang="en-US" dirty="0" smtClean="0">
+                <a:latin typeface="Calibri" pitchFamily="34" charset="0"/>
+              </a:rPr>
               <a:t>AJAX</a:t>
             </a:r>
-            <a:endParaRPr lang="en-US" b="1" dirty="0"/>
+            <a:endParaRPr lang="en-US" dirty="0">
+              <a:latin typeface="Calibri" pitchFamily="34" charset="0"/>
+            </a:endParaRPr>
           </a:p>
         </p:txBody>
       </p:sp>
@@ -3899,7 +3967,7 @@
     </p:spTree>
     <p:extLst>
       <p:ext uri="{BB962C8B-B14F-4D97-AF65-F5344CB8AC3E}">
-        <p14:creationId xmlns:p14="http://schemas.microsoft.com/office/powerpoint/2010/main" xmlns="" val="384071384"/>
+        <p14:creationId xmlns="" xmlns:p14="http://schemas.microsoft.com/office/powerpoint/2010/main" val="384071384"/>
       </p:ext>
     </p:extLst>
   </p:cSld>

--- a/JS/010_lesson/Presentation/http_protocol_ajax.pptx
+++ b/JS/010_lesson/Presentation/http_protocol_ajax.pptx
@@ -118,7 +118,7 @@
   </p:defaultTextStyle>
   <p:extLst>
     <p:ext uri="{EFAFB233-063F-42B5-8137-9DF3F51BA10A}">
-      <p15:sldGuideLst xmlns="" xmlns:p15="http://schemas.microsoft.com/office/powerpoint/2012/main">
+      <p15:sldGuideLst xmlns:p15="http://schemas.microsoft.com/office/powerpoint/2012/main">
         <p15:guide id="1" orient="horz" pos="1620">
           <p15:clr>
             <a:srgbClr val="A4A3A4"/>
@@ -142,7 +142,7 @@
       </p15:sldGuideLst>
     </p:ext>
     <p:ext uri="{2D200454-40CA-4A62-9FC3-DE9A4176ACB9}">
-      <p15:notesGuideLst xmlns="" xmlns:p15="http://schemas.microsoft.com/office/powerpoint/2012/main">
+      <p15:notesGuideLst xmlns:p15="http://schemas.microsoft.com/office/powerpoint/2012/main">
         <p15:guide id="1" orient="horz" pos="2880">
           <p15:clr>
             <a:srgbClr val="A4A3A4"/>
@@ -242,7 +242,7 @@
             <a:fld id="{C1951A84-8083-4F68-A786-57C80B44AB3C}" type="datetimeFigureOut">
               <a:rPr lang="en-US" smtClean="0"/>
               <a:pPr/>
-              <a:t>7/28/2016</a:t>
+              <a:t>8/3/2016</a:t>
             </a:fld>
             <a:endParaRPr lang="en-US"/>
           </a:p>
@@ -318,7 +318,7 @@
     </p:spTree>
     <p:extLst>
       <p:ext uri="{BB962C8B-B14F-4D97-AF65-F5344CB8AC3E}">
-        <p14:creationId xmlns="" xmlns:p14="http://schemas.microsoft.com/office/powerpoint/2010/main" val="171833131"/>
+        <p14:creationId xmlns:p14="http://schemas.microsoft.com/office/powerpoint/2010/main" val="171833131"/>
       </p:ext>
     </p:extLst>
   </p:cSld>
@@ -409,7 +409,7 @@
             <a:fld id="{F938EB94-4B54-4539-BEE7-C3885B42E71C}" type="datetimeFigureOut">
               <a:rPr lang="en-US" smtClean="0"/>
               <a:pPr/>
-              <a:t>7/28/2016</a:t>
+              <a:t>8/3/2016</a:t>
             </a:fld>
             <a:endParaRPr lang="en-US"/>
           </a:p>
@@ -473,38 +473,37 @@
           <a:p>
             <a:pPr lvl="0"/>
             <a:r>
-              <a:rPr lang="en-US" smtClean="0"/>
+              <a:rPr lang="en-US"/>
               <a:t>Click to edit Master text styles</a:t>
             </a:r>
           </a:p>
           <a:p>
             <a:pPr lvl="1"/>
             <a:r>
-              <a:rPr lang="en-US" smtClean="0"/>
+              <a:rPr lang="en-US"/>
               <a:t>Second level</a:t>
             </a:r>
           </a:p>
           <a:p>
             <a:pPr lvl="2"/>
             <a:r>
-              <a:rPr lang="en-US" smtClean="0"/>
+              <a:rPr lang="en-US"/>
               <a:t>Third level</a:t>
             </a:r>
           </a:p>
           <a:p>
             <a:pPr lvl="3"/>
             <a:r>
-              <a:rPr lang="en-US" smtClean="0"/>
+              <a:rPr lang="en-US"/>
               <a:t>Fourth level</a:t>
             </a:r>
           </a:p>
           <a:p>
             <a:pPr lvl="4"/>
             <a:r>
-              <a:rPr lang="en-US" smtClean="0"/>
+              <a:rPr lang="en-US"/>
               <a:t>Fifth level</a:t>
             </a:r>
-            <a:endParaRPr lang="en-US"/>
           </a:p>
         </p:txBody>
       </p:sp>
@@ -578,7 +577,7 @@
     </p:spTree>
     <p:extLst>
       <p:ext uri="{BB962C8B-B14F-4D97-AF65-F5344CB8AC3E}">
-        <p14:creationId xmlns="" xmlns:p14="http://schemas.microsoft.com/office/powerpoint/2010/main" val="4273275644"/>
+        <p14:creationId xmlns:p14="http://schemas.microsoft.com/office/powerpoint/2010/main" val="4273275644"/>
       </p:ext>
     </p:extLst>
   </p:cSld>
@@ -733,10 +732,9 @@
           </a:lstStyle>
           <a:p>
             <a:r>
-              <a:rPr lang="en-US" dirty="0" smtClean="0"/>
+              <a:rPr lang="en-US" dirty="0"/>
               <a:t>title style</a:t>
             </a:r>
-            <a:endParaRPr lang="en-US" dirty="0"/>
           </a:p>
         </p:txBody>
       </p:sp>
@@ -856,10 +854,9 @@
           </a:lstStyle>
           <a:p>
             <a:r>
-              <a:rPr lang="en-US" dirty="0" smtClean="0"/>
+              <a:rPr lang="en-US" dirty="0"/>
               <a:t>Click to edit Master subtitle style</a:t>
             </a:r>
-            <a:endParaRPr lang="en-US" dirty="0"/>
           </a:p>
         </p:txBody>
       </p:sp>
@@ -1185,20 +1182,13 @@
     </p:spTree>
     <p:extLst>
       <p:ext uri="{BB962C8B-B14F-4D97-AF65-F5344CB8AC3E}">
-        <p14:creationId xmlns="" xmlns:p14="http://schemas.microsoft.com/office/powerpoint/2010/main" val="3537187278"/>
+        <p14:creationId xmlns:p14="http://schemas.microsoft.com/office/powerpoint/2010/main" val="3537187278"/>
       </p:ext>
     </p:extLst>
   </p:cSld>
   <p:clrMapOvr>
     <a:overrideClrMapping bg1="lt1" tx1="dk1" bg2="lt2" tx2="dk2" accent1="accent1" accent2="accent2" accent3="accent3" accent4="accent4" accent5="accent5" accent6="accent6" hlink="hlink" folHlink="folHlink"/>
   </p:clrMapOvr>
-  <p:timing>
-    <p:tnLst>
-      <p:par>
-        <p:cTn id="1" dur="indefinite" restart="never" nodeType="tmRoot"/>
-      </p:par>
-    </p:tnLst>
-  </p:timing>
 </p:sldLayout>
 </file>
 
@@ -1231,7 +1221,7 @@
           <a:blip r:embed="rId2" cstate="print">
             <a:extLst>
               <a:ext uri="{28A0092B-C50C-407E-A947-70E740481C1C}">
-                <a14:useLocalDpi xmlns="" xmlns:a14="http://schemas.microsoft.com/office/drawing/2010/main" val="0"/>
+                <a14:useLocalDpi xmlns:a14="http://schemas.microsoft.com/office/drawing/2010/main" val="0"/>
               </a:ext>
             </a:extLst>
           </a:blip>
@@ -1255,14 +1245,14 @@
           <a:effectLst/>
           <a:extLst>
             <a:ext uri="{909E8E84-426E-40DD-AFC4-6F175D3DCCD1}">
-              <a14:hiddenFill xmlns="" xmlns:a14="http://schemas.microsoft.com/office/drawing/2010/main">
+              <a14:hiddenFill xmlns:a14="http://schemas.microsoft.com/office/drawing/2010/main">
                 <a:solidFill>
                   <a:schemeClr val="accent1"/>
                 </a:solidFill>
               </a14:hiddenFill>
             </a:ext>
             <a:ext uri="{91240B29-F687-4F45-9708-019B960494DF}">
-              <a14:hiddenLine xmlns="" xmlns:a14="http://schemas.microsoft.com/office/drawing/2010/main" w="9525">
+              <a14:hiddenLine xmlns:a14="http://schemas.microsoft.com/office/drawing/2010/main" w="9525">
                 <a:solidFill>
                   <a:schemeClr val="tx1"/>
                 </a:solidFill>
@@ -1272,7 +1262,7 @@
               </a14:hiddenLine>
             </a:ext>
             <a:ext uri="{AF507438-7753-43E0-B8FC-AC1667EBCBE1}">
-              <a14:hiddenEffects xmlns="" xmlns:a14="http://schemas.microsoft.com/office/drawing/2010/main">
+              <a14:hiddenEffects xmlns:a14="http://schemas.microsoft.com/office/drawing/2010/main">
                 <a:effectLst>
                   <a:outerShdw dist="35921" dir="2700000" algn="ctr" rotWithShape="0">
                     <a:schemeClr val="bg2"/>
@@ -1367,10 +1357,9 @@
           </a:lstStyle>
           <a:p>
             <a:r>
-              <a:rPr lang="en-US" dirty="0" smtClean="0"/>
+              <a:rPr lang="en-US" dirty="0"/>
               <a:t>Click to edit Master title style</a:t>
             </a:r>
-            <a:endParaRPr lang="en-US" dirty="0"/>
           </a:p>
         </p:txBody>
       </p:sp>
@@ -1404,7 +1393,7 @@
           <a:p>
             <a:pPr lvl="4"/>
             <a:r>
-              <a:rPr lang="en-US" dirty="0" smtClean="0"/>
+              <a:rPr lang="en-US" dirty="0"/>
               <a:t>Subtitle</a:t>
             </a:r>
           </a:p>
@@ -1413,20 +1402,13 @@
     </p:spTree>
     <p:extLst>
       <p:ext uri="{BB962C8B-B14F-4D97-AF65-F5344CB8AC3E}">
-        <p14:creationId xmlns="" xmlns:p14="http://schemas.microsoft.com/office/powerpoint/2010/main" val="2097366919"/>
+        <p14:creationId xmlns:p14="http://schemas.microsoft.com/office/powerpoint/2010/main" val="2097366919"/>
       </p:ext>
     </p:extLst>
   </p:cSld>
   <p:clrMapOvr>
     <a:masterClrMapping/>
   </p:clrMapOvr>
-  <p:timing>
-    <p:tnLst>
-      <p:par>
-        <p:cTn id="1" dur="indefinite" restart="never" nodeType="tmRoot"/>
-      </p:par>
-    </p:tnLst>
-  </p:timing>
 </p:sldLayout>
 </file>
 
@@ -1478,17 +1460,16 @@
           <a:lstStyle/>
           <a:p>
             <a:r>
-              <a:rPr lang="en-US" smtClean="0"/>
+              <a:rPr lang="en-US"/>
               <a:t>Click to edit Master title style</a:t>
             </a:r>
-            <a:endParaRPr lang="en-US"/>
           </a:p>
         </p:txBody>
       </p:sp>
     </p:spTree>
     <p:extLst>
       <p:ext uri="{BB962C8B-B14F-4D97-AF65-F5344CB8AC3E}">
-        <p14:creationId xmlns="" xmlns:p14="http://schemas.microsoft.com/office/powerpoint/2010/main" val="779007194"/>
+        <p14:creationId xmlns:p14="http://schemas.microsoft.com/office/powerpoint/2010/main" val="779007194"/>
       </p:ext>
     </p:extLst>
   </p:cSld>
@@ -1497,13 +1478,6 @@
     <p:sldLayoutId id="2147483649" r:id="rId1"/>
     <p:sldLayoutId id="2147483650" r:id="rId2"/>
   </p:sldLayoutIdLst>
-  <p:timing>
-    <p:tnLst>
-      <p:par>
-        <p:cTn id="1" dur="indefinite" restart="never" nodeType="tmRoot"/>
-      </p:par>
-    </p:tnLst>
-  </p:timing>
   <p:txStyles>
     <p:titleStyle>
       <a:lvl1pPr algn="ctr" defTabSz="914400" rtl="0" eaLnBrk="1" latinLnBrk="0" hangingPunct="1">
@@ -1845,7 +1819,7 @@
           <a:lstStyle/>
           <a:p>
             <a:r>
-              <a:rPr lang="ru-RU" sz="2700" dirty="0" smtClean="0">
+              <a:rPr lang="ru-RU" sz="2700" dirty="0">
                 <a:solidFill>
                   <a:schemeClr val="bg1"/>
                 </a:solidFill>
@@ -1856,7 +1830,7 @@
               <a:t>Работа с </a:t>
             </a:r>
             <a:r>
-              <a:rPr lang="en-US" sz="2700" dirty="0" smtClean="0">
+              <a:rPr lang="en-US" sz="2700" dirty="0">
                 <a:solidFill>
                   <a:schemeClr val="bg1"/>
                 </a:solidFill>
@@ -1867,7 +1841,7 @@
               <a:t>HTTP</a:t>
             </a:r>
             <a:r>
-              <a:rPr lang="ru-RU" sz="2700" dirty="0" smtClean="0">
+              <a:rPr lang="ru-RU" sz="2700" dirty="0">
                 <a:solidFill>
                   <a:schemeClr val="bg1"/>
                 </a:solidFill>
@@ -2066,7 +2040,7 @@
           </a:lstStyle>
           <a:p>
             <a:r>
-              <a:rPr lang="en-US" sz="2700" dirty="0" smtClean="0">
+              <a:rPr lang="en-US" sz="2700" dirty="0">
                 <a:solidFill>
                   <a:schemeClr val="tx1">
                     <a:lumMod val="90000"/>
@@ -2079,17 +2053,6 @@
               </a:rPr>
               <a:t>The JavaScript Programming Language</a:t>
             </a:r>
-            <a:endParaRPr lang="en-US" sz="2700" dirty="0">
-              <a:solidFill>
-                <a:schemeClr val="tx1">
-                  <a:lumMod val="90000"/>
-                  <a:lumOff val="10000"/>
-                </a:schemeClr>
-              </a:solidFill>
-              <a:latin typeface="Calibri" pitchFamily="34" charset="0"/>
-              <a:ea typeface="Roboto Light" panose="02000000000000000000" pitchFamily="2" charset="0"/>
-              <a:cs typeface="Roboto Light" panose="02000000000000000000" pitchFamily="2" charset="0"/>
-            </a:endParaRPr>
           </a:p>
         </p:txBody>
       </p:sp>
@@ -2105,7 +2068,7 @@
           <a:blip r:embed="rId2" cstate="print">
             <a:extLst>
               <a:ext uri="{28A0092B-C50C-407E-A947-70E740481C1C}">
-                <a14:useLocalDpi xmlns="" xmlns:a14="http://schemas.microsoft.com/office/drawing/2010/main" val="0"/>
+                <a14:useLocalDpi xmlns:a14="http://schemas.microsoft.com/office/drawing/2010/main" val="0"/>
               </a:ext>
             </a:extLst>
           </a:blip>
@@ -2125,7 +2088,7 @@
           <a:noFill/>
           <a:extLst>
             <a:ext uri="{909E8E84-426E-40DD-AFC4-6F175D3DCCD1}">
-              <a14:hiddenFill xmlns="" xmlns:a14="http://schemas.microsoft.com/office/drawing/2010/main">
+              <a14:hiddenFill xmlns:a14="http://schemas.microsoft.com/office/drawing/2010/main">
                 <a:solidFill>
                   <a:srgbClr val="FFFFFF"/>
                 </a:solidFill>
@@ -2157,7 +2120,7 @@
           <a:lstStyle/>
           <a:p>
             <a:r>
-              <a:rPr lang="en-US" sz="4400" dirty="0" smtClean="0">
+              <a:rPr lang="en-US" sz="4400" dirty="0">
                 <a:solidFill>
                   <a:srgbClr val="7564BC"/>
                 </a:solidFill>
@@ -2176,20 +2139,13 @@
     </p:spTree>
     <p:extLst>
       <p:ext uri="{BB962C8B-B14F-4D97-AF65-F5344CB8AC3E}">
-        <p14:creationId xmlns="" xmlns:p14="http://schemas.microsoft.com/office/powerpoint/2010/main" val="3436223543"/>
+        <p14:creationId xmlns:p14="http://schemas.microsoft.com/office/powerpoint/2010/main" val="3436223543"/>
       </p:ext>
     </p:extLst>
   </p:cSld>
   <p:clrMapOvr>
     <a:masterClrMapping/>
   </p:clrMapOvr>
-  <p:timing>
-    <p:tnLst>
-      <p:par>
-        <p:cTn id="1" dur="indefinite" restart="never" nodeType="tmRoot"/>
-      </p:par>
-    </p:tnLst>
-  </p:timing>
 </p:sld>
 </file>
 
@@ -2226,13 +2182,13 @@
           <a:lstStyle/>
           <a:p>
             <a:r>
-              <a:rPr lang="en-US" dirty="0" smtClean="0">
+              <a:rPr lang="en-US" dirty="0">
                 <a:latin typeface="Calibri" pitchFamily="34" charset="0"/>
               </a:rPr>
               <a:t>HTTP</a:t>
             </a:r>
             <a:r>
-              <a:rPr lang="ru-RU" dirty="0" smtClean="0">
+              <a:rPr lang="ru-RU" dirty="0">
                 <a:latin typeface="Calibri" pitchFamily="34" charset="0"/>
               </a:rPr>
               <a:t> протокол</a:t>
@@ -2280,56 +2236,56 @@
           <a:p>
             <a:pPr algn="ctr"/>
             <a:r>
-              <a:rPr lang="ru-RU" b="1" dirty="0" err="1" smtClean="0">
+              <a:rPr lang="ru-RU" b="1" dirty="0" err="1">
                 <a:latin typeface="Calibri" pitchFamily="34" charset="0"/>
                 <a:cs typeface="Calibri" pitchFamily="34" charset="0"/>
               </a:rPr>
               <a:t>Hyper</a:t>
             </a:r>
             <a:r>
-              <a:rPr lang="ru-RU" b="1" dirty="0" smtClean="0">
+              <a:rPr lang="ru-RU" b="1" dirty="0">
                 <a:latin typeface="Calibri" pitchFamily="34" charset="0"/>
                 <a:cs typeface="Calibri" pitchFamily="34" charset="0"/>
               </a:rPr>
               <a:t> </a:t>
             </a:r>
             <a:r>
-              <a:rPr lang="ru-RU" b="1" dirty="0" err="1" smtClean="0">
+              <a:rPr lang="ru-RU" b="1" dirty="0" err="1">
                 <a:latin typeface="Calibri" pitchFamily="34" charset="0"/>
                 <a:cs typeface="Calibri" pitchFamily="34" charset="0"/>
               </a:rPr>
               <a:t>Text</a:t>
             </a:r>
             <a:r>
-              <a:rPr lang="ru-RU" b="1" dirty="0" smtClean="0">
+              <a:rPr lang="ru-RU" b="1" dirty="0">
                 <a:latin typeface="Calibri" pitchFamily="34" charset="0"/>
                 <a:cs typeface="Calibri" pitchFamily="34" charset="0"/>
               </a:rPr>
               <a:t> </a:t>
             </a:r>
             <a:r>
-              <a:rPr lang="ru-RU" b="1" dirty="0" err="1" smtClean="0">
+              <a:rPr lang="ru-RU" b="1" dirty="0" err="1">
                 <a:latin typeface="Calibri" pitchFamily="34" charset="0"/>
                 <a:cs typeface="Calibri" pitchFamily="34" charset="0"/>
               </a:rPr>
               <a:t>Transfer</a:t>
             </a:r>
             <a:r>
-              <a:rPr lang="ru-RU" b="1" dirty="0" smtClean="0">
+              <a:rPr lang="ru-RU" b="1" dirty="0">
                 <a:latin typeface="Calibri" pitchFamily="34" charset="0"/>
                 <a:cs typeface="Calibri" pitchFamily="34" charset="0"/>
               </a:rPr>
               <a:t> </a:t>
             </a:r>
             <a:r>
-              <a:rPr lang="ru-RU" b="1" dirty="0" err="1" smtClean="0">
+              <a:rPr lang="ru-RU" b="1" dirty="0" err="1">
                 <a:latin typeface="Calibri" pitchFamily="34" charset="0"/>
                 <a:cs typeface="Calibri" pitchFamily="34" charset="0"/>
               </a:rPr>
               <a:t>Protocol</a:t>
             </a:r>
             <a:r>
-              <a:rPr lang="en-US" b="1" dirty="0" smtClean="0">
+              <a:rPr lang="en-US" b="1" dirty="0">
                 <a:latin typeface="Calibri" pitchFamily="34" charset="0"/>
                 <a:cs typeface="Calibri" pitchFamily="34" charset="0"/>
               </a:rPr>
@@ -2337,63 +2293,63 @@
             </a:r>
           </a:p>
           <a:p>
-            <a:endParaRPr lang="ru-RU" dirty="0" smtClean="0">
+            <a:endParaRPr lang="ru-RU" dirty="0">
               <a:latin typeface="Calibri" pitchFamily="34" charset="0"/>
               <a:cs typeface="Calibri" pitchFamily="34" charset="0"/>
             </a:endParaRPr>
           </a:p>
           <a:p>
             <a:r>
-              <a:rPr lang="ru-RU" dirty="0" err="1" smtClean="0">
+              <a:rPr lang="ru-RU" dirty="0" err="1">
                 <a:latin typeface="Calibri" pitchFamily="34" charset="0"/>
                 <a:cs typeface="Calibri" pitchFamily="34" charset="0"/>
               </a:rPr>
               <a:t>HTTP</a:t>
             </a:r>
             <a:r>
-              <a:rPr lang="ru-RU" dirty="0" smtClean="0">
+              <a:rPr lang="ru-RU" dirty="0">
                 <a:latin typeface="Calibri" pitchFamily="34" charset="0"/>
                 <a:cs typeface="Calibri" pitchFamily="34" charset="0"/>
               </a:rPr>
               <a:t> -это протокол прикладного уровня для передачи данных от браузера к серверу и обратно. </a:t>
             </a:r>
             <a:r>
-              <a:rPr lang="ru-RU" dirty="0" err="1" smtClean="0">
+              <a:rPr lang="ru-RU" dirty="0" err="1">
                 <a:latin typeface="Calibri" pitchFamily="34" charset="0"/>
                 <a:cs typeface="Calibri" pitchFamily="34" charset="0"/>
               </a:rPr>
               <a:t>HTTP</a:t>
             </a:r>
             <a:r>
-              <a:rPr lang="ru-RU" dirty="0" smtClean="0">
+              <a:rPr lang="ru-RU" dirty="0">
                 <a:latin typeface="Calibri" pitchFamily="34" charset="0"/>
                 <a:cs typeface="Calibri" pitchFamily="34" charset="0"/>
               </a:rPr>
               <a:t> сообщение обычно передаются между сервером и браузером через порт 80 или 443 при использовании </a:t>
             </a:r>
             <a:r>
-              <a:rPr lang="ru-RU" dirty="0" err="1" smtClean="0">
+              <a:rPr lang="ru-RU" dirty="0" err="1">
                 <a:latin typeface="Calibri" pitchFamily="34" charset="0"/>
                 <a:cs typeface="Calibri" pitchFamily="34" charset="0"/>
               </a:rPr>
               <a:t>SecureHTTP</a:t>
             </a:r>
             <a:r>
-              <a:rPr lang="ru-RU" dirty="0" smtClean="0">
+              <a:rPr lang="ru-RU" dirty="0">
                 <a:latin typeface="Calibri" pitchFamily="34" charset="0"/>
                 <a:cs typeface="Calibri" pitchFamily="34" charset="0"/>
               </a:rPr>
               <a:t> (</a:t>
             </a:r>
             <a:r>
-              <a:rPr lang="ru-RU" dirty="0" err="1" smtClean="0">
+              <a:rPr lang="ru-RU" dirty="0" err="1">
                 <a:latin typeface="Calibri" pitchFamily="34" charset="0"/>
                 <a:cs typeface="Calibri" pitchFamily="34" charset="0"/>
               </a:rPr>
               <a:t>HTTPS</a:t>
             </a:r>
             <a:r>
-              <a:rPr lang="ru-RU" dirty="0" smtClean="0">
+              <a:rPr lang="ru-RU" dirty="0">
                 <a:latin typeface="Calibri" pitchFamily="34" charset="0"/>
                 <a:cs typeface="Calibri" pitchFamily="34" charset="0"/>
               </a:rPr>
@@ -2411,20 +2367,13 @@
     </p:spTree>
     <p:extLst>
       <p:ext uri="{BB962C8B-B14F-4D97-AF65-F5344CB8AC3E}">
-        <p14:creationId xmlns="" xmlns:p14="http://schemas.microsoft.com/office/powerpoint/2010/main" val="9290874"/>
+        <p14:creationId xmlns:p14="http://schemas.microsoft.com/office/powerpoint/2010/main" val="9290874"/>
       </p:ext>
     </p:extLst>
   </p:cSld>
   <p:clrMapOvr>
     <a:masterClrMapping/>
   </p:clrMapOvr>
-  <p:timing>
-    <p:tnLst>
-      <p:par>
-        <p:cTn id="1" dur="indefinite" restart="never" nodeType="tmRoot"/>
-      </p:par>
-    </p:tnLst>
-  </p:timing>
 </p:sld>
 </file>
 
@@ -2461,32 +2410,23 @@
           <a:lstStyle/>
           <a:p>
             <a:r>
-              <a:rPr lang="en-US" dirty="0" smtClean="0">
+              <a:rPr lang="en-US" dirty="0">
                 <a:latin typeface="Calibri" pitchFamily="34" charset="0"/>
               </a:rPr>
               <a:t>HTTP </a:t>
             </a:r>
             <a:r>
-              <a:rPr lang="uk-UA" dirty="0" err="1" smtClean="0">
-                <a:latin typeface="Calibri" pitchFamily="34" charset="0"/>
-              </a:rPr>
-              <a:t>глаголы</a:t>
-            </a:r>
-            <a:r>
-              <a:rPr lang="uk-UA" dirty="0" smtClean="0">
-                <a:latin typeface="Calibri" pitchFamily="34" charset="0"/>
-              </a:rPr>
-              <a:t> (</a:t>
-            </a:r>
-            <a:r>
-              <a:rPr lang="en-US" dirty="0" smtClean="0">
+              <a:rPr lang="uk-UA" dirty="0">
+                <a:latin typeface="Calibri" pitchFamily="34" charset="0"/>
+              </a:rPr>
+              <a:t>глаголы (</a:t>
+            </a:r>
+            <a:r>
+              <a:rPr lang="en-US" dirty="0">
                 <a:latin typeface="Calibri" pitchFamily="34" charset="0"/>
               </a:rPr>
               <a:t>verbs)</a:t>
             </a:r>
-            <a:endParaRPr lang="en-US" dirty="0">
-              <a:latin typeface="Calibri" pitchFamily="34" charset="0"/>
-            </a:endParaRPr>
           </a:p>
         </p:txBody>
       </p:sp>
@@ -2496,7 +2436,13 @@
           <p:cNvGraphicFramePr>
             <a:graphicFrameLocks noGrp="1"/>
           </p:cNvGraphicFramePr>
-          <p:nvPr/>
+          <p:nvPr>
+            <p:extLst>
+              <p:ext uri="{D42A27DB-BD31-4B8C-83A1-F6EECF244321}">
+                <p14:modId xmlns:p14="http://schemas.microsoft.com/office/powerpoint/2010/main" val="563382176"/>
+              </p:ext>
+            </p:extLst>
+          </p:nvPr>
         </p:nvGraphicFramePr>
         <p:xfrm>
           <a:off x="457200" y="925830"/>
@@ -2509,8 +2455,20 @@
                 <a:tableStyleId>{5C22544A-7EE6-4342-B048-85BDC9FD1C3A}</a:tableStyleId>
               </a:tblPr>
               <a:tblGrid>
-                <a:gridCol w="2468880"/>
-                <a:gridCol w="5760720"/>
+                <a:gridCol w="2468880">
+                  <a:extLst>
+                    <a:ext uri="{9D8B030D-6E8A-4147-A177-3AD203B41FA5}">
+                      <a16:colId xmlns:a16="http://schemas.microsoft.com/office/drawing/2014/main" val="20000"/>
+                    </a:ext>
+                  </a:extLst>
+                </a:gridCol>
+                <a:gridCol w="5760720">
+                  <a:extLst>
+                    <a:ext uri="{9D8B030D-6E8A-4147-A177-3AD203B41FA5}">
+                      <a16:colId xmlns:a16="http://schemas.microsoft.com/office/drawing/2014/main" val="20001"/>
+                    </a:ext>
+                  </a:extLst>
+                </a:gridCol>
               </a:tblGrid>
               <a:tr h="146289">
                 <a:tc>
@@ -2520,7 +2478,7 @@
                     <a:p>
                       <a:pPr algn="ctr"/>
                       <a:r>
-                        <a:rPr lang="en-US" dirty="0" smtClean="0">
+                        <a:rPr lang="en-US" dirty="0">
                           <a:solidFill>
                             <a:schemeClr val="bg1"/>
                           </a:solidFill>
@@ -2530,7 +2488,7 @@
                         <a:t>HTTP </a:t>
                       </a:r>
                       <a:r>
-                        <a:rPr lang="ru-RU" dirty="0" smtClean="0">
+                        <a:rPr lang="ru-RU" dirty="0">
                           <a:solidFill>
                             <a:schemeClr val="bg1"/>
                           </a:solidFill>
@@ -2557,7 +2515,7 @@
                     <a:p>
                       <a:pPr algn="ctr"/>
                       <a:r>
-                        <a:rPr lang="ru-RU" dirty="0" smtClean="0">
+                        <a:rPr lang="ru-RU" dirty="0">
                           <a:latin typeface="Calibri" pitchFamily="34" charset="0"/>
                           <a:cs typeface="Calibri" pitchFamily="34" charset="0"/>
                         </a:rPr>
@@ -2571,6 +2529,11 @@
                   </a:txBody>
                   <a:tcPr/>
                 </a:tc>
+                <a:extLst>
+                  <a:ext uri="{0D108BD9-81ED-4DB2-BD59-A6C34878D82A}">
+                    <a16:rowId xmlns:a16="http://schemas.microsoft.com/office/drawing/2014/main" val="10000"/>
+                  </a:ext>
+                </a:extLst>
               </a:tr>
               <a:tr h="370840">
                 <a:tc>
@@ -2579,16 +2542,12 @@
                     <a:lstStyle/>
                     <a:p>
                       <a:r>
-                        <a:rPr lang="en-US" sz="1800" dirty="0" smtClean="0">
+                        <a:rPr lang="en-US" sz="1800" dirty="0">
                           <a:latin typeface="Calibri" pitchFamily="34" charset="0"/>
                           <a:cs typeface="Calibri" pitchFamily="34" charset="0"/>
                         </a:rPr>
                         <a:t>OPTIONS</a:t>
                       </a:r>
-                      <a:endParaRPr lang="en-US" sz="1800" dirty="0">
-                        <a:latin typeface="Calibri" pitchFamily="34" charset="0"/>
-                        <a:cs typeface="Calibri" pitchFamily="34" charset="0"/>
-                      </a:endParaRPr>
                     </a:p>
                   </a:txBody>
                   <a:tcPr/>
@@ -2599,32 +2558,18 @@
                     <a:lstStyle/>
                     <a:p>
                       <a:r>
-                        <a:rPr lang="ru-RU" sz="1800" dirty="0" smtClean="0">
+                        <a:rPr lang="ru-RU" sz="1800" dirty="0">
                           <a:latin typeface="Calibri" pitchFamily="34" charset="0"/>
                           <a:cs typeface="Calibri" pitchFamily="34" charset="0"/>
                         </a:rPr>
                         <a:t>Используется</a:t>
                       </a:r>
                       <a:r>
-                        <a:rPr lang="ru-RU" sz="1800" baseline="0" dirty="0" smtClean="0">
+                        <a:rPr lang="ru-RU" sz="1800" baseline="0" dirty="0">
                           <a:latin typeface="Calibri" pitchFamily="34" charset="0"/>
                           <a:cs typeface="Calibri" pitchFamily="34" charset="0"/>
                         </a:rPr>
-                        <a:t> </a:t>
-                      </a:r>
-                      <a:r>
-                        <a:rPr lang="ru-RU" sz="1800" baseline="0" dirty="0" err="1" smtClean="0">
-                          <a:latin typeface="Calibri" pitchFamily="34" charset="0"/>
-                          <a:cs typeface="Calibri" pitchFamily="34" charset="0"/>
-                        </a:rPr>
-                        <a:t>клиентсикм</a:t>
-                      </a:r>
-                      <a:r>
-                        <a:rPr lang="ru-RU" sz="1800" baseline="0" dirty="0" smtClean="0">
-                          <a:latin typeface="Calibri" pitchFamily="34" charset="0"/>
-                          <a:cs typeface="Calibri" pitchFamily="34" charset="0"/>
-                        </a:rPr>
-                        <a:t> приложением для получения списка доступных глаголов</a:t>
+                        <a:t> клиентским приложением для получения списка доступных глаголов</a:t>
                       </a:r>
                       <a:endParaRPr lang="en-US" sz="1800" dirty="0">
                         <a:latin typeface="Calibri" pitchFamily="34" charset="0"/>
@@ -2634,6 +2579,11 @@
                   </a:txBody>
                   <a:tcPr/>
                 </a:tc>
+                <a:extLst>
+                  <a:ext uri="{0D108BD9-81ED-4DB2-BD59-A6C34878D82A}">
+                    <a16:rowId xmlns:a16="http://schemas.microsoft.com/office/drawing/2014/main" val="10001"/>
+                  </a:ext>
+                </a:extLst>
               </a:tr>
               <a:tr h="370840">
                 <a:tc>
@@ -2642,16 +2592,12 @@
                     <a:lstStyle/>
                     <a:p>
                       <a:r>
-                        <a:rPr lang="en-US" sz="1800" b="1" dirty="0" smtClean="0">
+                        <a:rPr lang="en-US" sz="1800" b="1" dirty="0">
                           <a:latin typeface="Calibri" pitchFamily="34" charset="0"/>
                           <a:cs typeface="Calibri" pitchFamily="34" charset="0"/>
                         </a:rPr>
                         <a:t>GET</a:t>
                       </a:r>
-                      <a:endParaRPr lang="en-US" sz="1800" b="1" dirty="0">
-                        <a:latin typeface="Calibri" pitchFamily="34" charset="0"/>
-                        <a:cs typeface="Calibri" pitchFamily="34" charset="0"/>
-                      </a:endParaRPr>
                     </a:p>
                   </a:txBody>
                   <a:tcPr/>
@@ -2662,7 +2608,7 @@
                     <a:lstStyle/>
                     <a:p>
                       <a:r>
-                        <a:rPr lang="ru-RU" sz="1800" dirty="0" smtClean="0">
+                        <a:rPr lang="ru-RU" sz="1800" dirty="0">
                           <a:latin typeface="Calibri" pitchFamily="34" charset="0"/>
                           <a:cs typeface="Calibri" pitchFamily="34" charset="0"/>
                         </a:rPr>
@@ -2676,6 +2622,11 @@
                   </a:txBody>
                   <a:tcPr/>
                 </a:tc>
+                <a:extLst>
+                  <a:ext uri="{0D108BD9-81ED-4DB2-BD59-A6C34878D82A}">
+                    <a16:rowId xmlns:a16="http://schemas.microsoft.com/office/drawing/2014/main" val="10002"/>
+                  </a:ext>
+                </a:extLst>
               </a:tr>
               <a:tr h="370840">
                 <a:tc>
@@ -2684,16 +2635,12 @@
                     <a:lstStyle/>
                     <a:p>
                       <a:r>
-                        <a:rPr lang="en-US" sz="1800" dirty="0" smtClean="0">
+                        <a:rPr lang="en-US" sz="1800" dirty="0">
                           <a:latin typeface="Calibri" pitchFamily="34" charset="0"/>
                           <a:cs typeface="Calibri" pitchFamily="34" charset="0"/>
                         </a:rPr>
                         <a:t>HEAD</a:t>
                       </a:r>
-                      <a:endParaRPr lang="en-US" sz="1800" dirty="0">
-                        <a:latin typeface="Calibri" pitchFamily="34" charset="0"/>
-                        <a:cs typeface="Calibri" pitchFamily="34" charset="0"/>
-                      </a:endParaRPr>
                     </a:p>
                   </a:txBody>
                   <a:tcPr/>
@@ -2704,14 +2651,14 @@
                     <a:lstStyle/>
                     <a:p>
                       <a:r>
-                        <a:rPr lang="ru-RU" sz="1800" dirty="0" smtClean="0">
+                        <a:rPr lang="ru-RU" sz="1800" dirty="0">
                           <a:latin typeface="Calibri" pitchFamily="34" charset="0"/>
                           <a:cs typeface="Calibri" pitchFamily="34" charset="0"/>
                         </a:rPr>
                         <a:t>Получение метаданных (заголовков) ресурса.</a:t>
                       </a:r>
                       <a:r>
-                        <a:rPr lang="ru-RU" sz="1800" baseline="0" dirty="0" smtClean="0">
+                        <a:rPr lang="ru-RU" sz="1800" baseline="0" dirty="0">
                           <a:latin typeface="Calibri" pitchFamily="34" charset="0"/>
                           <a:cs typeface="Calibri" pitchFamily="34" charset="0"/>
                         </a:rPr>
@@ -2725,6 +2672,11 @@
                   </a:txBody>
                   <a:tcPr/>
                 </a:tc>
+                <a:extLst>
+                  <a:ext uri="{0D108BD9-81ED-4DB2-BD59-A6C34878D82A}">
+                    <a16:rowId xmlns:a16="http://schemas.microsoft.com/office/drawing/2014/main" val="10003"/>
+                  </a:ext>
+                </a:extLst>
               </a:tr>
               <a:tr h="370840">
                 <a:tc>
@@ -2733,16 +2685,12 @@
                     <a:lstStyle/>
                     <a:p>
                       <a:r>
-                        <a:rPr lang="en-US" sz="1800" b="1" dirty="0" smtClean="0">
+                        <a:rPr lang="en-US" sz="1800" b="1" dirty="0">
                           <a:latin typeface="Calibri" pitchFamily="34" charset="0"/>
                           <a:cs typeface="Calibri" pitchFamily="34" charset="0"/>
                         </a:rPr>
                         <a:t>POST</a:t>
                       </a:r>
-                      <a:endParaRPr lang="en-US" sz="1800" b="1" dirty="0">
-                        <a:latin typeface="Calibri" pitchFamily="34" charset="0"/>
-                        <a:cs typeface="Calibri" pitchFamily="34" charset="0"/>
-                      </a:endParaRPr>
                     </a:p>
                   </a:txBody>
                   <a:tcPr/>
@@ -2753,14 +2701,14 @@
                     <a:lstStyle/>
                     <a:p>
                       <a:r>
-                        <a:rPr lang="ru-RU" sz="1800" dirty="0" smtClean="0">
+                        <a:rPr lang="ru-RU" sz="1800" dirty="0">
                           <a:latin typeface="Calibri" pitchFamily="34" charset="0"/>
                           <a:cs typeface="Calibri" pitchFamily="34" charset="0"/>
                         </a:rPr>
                         <a:t>Отправка данных на</a:t>
                       </a:r>
                       <a:r>
-                        <a:rPr lang="ru-RU" sz="1800" baseline="0" dirty="0" smtClean="0">
+                        <a:rPr lang="ru-RU" sz="1800" baseline="0" dirty="0">
                           <a:latin typeface="Calibri" pitchFamily="34" charset="0"/>
                           <a:cs typeface="Calibri" pitchFamily="34" charset="0"/>
                         </a:rPr>
@@ -2774,6 +2722,11 @@
                   </a:txBody>
                   <a:tcPr/>
                 </a:tc>
+                <a:extLst>
+                  <a:ext uri="{0D108BD9-81ED-4DB2-BD59-A6C34878D82A}">
+                    <a16:rowId xmlns:a16="http://schemas.microsoft.com/office/drawing/2014/main" val="10004"/>
+                  </a:ext>
+                </a:extLst>
               </a:tr>
               <a:tr h="370840">
                 <a:tc>
@@ -2782,16 +2735,12 @@
                     <a:lstStyle/>
                     <a:p>
                       <a:r>
-                        <a:rPr lang="en-US" sz="1800" dirty="0" smtClean="0">
+                        <a:rPr lang="en-US" sz="1800" dirty="0">
                           <a:latin typeface="Calibri" pitchFamily="34" charset="0"/>
                           <a:cs typeface="Calibri" pitchFamily="34" charset="0"/>
                         </a:rPr>
                         <a:t>PUT</a:t>
                       </a:r>
-                      <a:endParaRPr lang="en-US" sz="1800" dirty="0">
-                        <a:latin typeface="Calibri" pitchFamily="34" charset="0"/>
-                        <a:cs typeface="Calibri" pitchFamily="34" charset="0"/>
-                      </a:endParaRPr>
                     </a:p>
                   </a:txBody>
                   <a:tcPr/>
@@ -2802,42 +2751,42 @@
                     <a:lstStyle/>
                     <a:p>
                       <a:r>
-                        <a:rPr lang="ru-RU" sz="1800" dirty="0" smtClean="0">
+                        <a:rPr lang="ru-RU" sz="1800" dirty="0">
                           <a:latin typeface="Calibri" pitchFamily="34" charset="0"/>
                           <a:cs typeface="Calibri" pitchFamily="34" charset="0"/>
                         </a:rPr>
                         <a:t>Позволяет клиенту создать ресурс по указанному</a:t>
                       </a:r>
                       <a:r>
-                        <a:rPr lang="ru-RU" sz="1800" baseline="0" dirty="0" smtClean="0">
+                        <a:rPr lang="ru-RU" sz="1800" baseline="0" dirty="0">
                           <a:latin typeface="Calibri" pitchFamily="34" charset="0"/>
                           <a:cs typeface="Calibri" pitchFamily="34" charset="0"/>
                         </a:rPr>
                         <a:t> </a:t>
                       </a:r>
                       <a:r>
-                        <a:rPr lang="en-US" sz="1800" baseline="0" dirty="0" smtClean="0">
+                        <a:rPr lang="en-US" sz="1800" baseline="0" dirty="0">
                           <a:latin typeface="Calibri" pitchFamily="34" charset="0"/>
                           <a:cs typeface="Calibri" pitchFamily="34" charset="0"/>
                         </a:rPr>
                         <a:t>URL (</a:t>
                       </a:r>
                       <a:r>
-                        <a:rPr lang="ru-RU" sz="1800" baseline="0" dirty="0" smtClean="0">
+                        <a:rPr lang="ru-RU" sz="1800" baseline="0" dirty="0">
                           <a:latin typeface="Calibri" pitchFamily="34" charset="0"/>
                           <a:cs typeface="Calibri" pitchFamily="34" charset="0"/>
                         </a:rPr>
                         <a:t>создать файл на сервере</a:t>
                       </a:r>
                       <a:r>
-                        <a:rPr lang="en-US" sz="1800" baseline="0" dirty="0" smtClean="0">
+                        <a:rPr lang="en-US" sz="1800" baseline="0" dirty="0">
                           <a:latin typeface="Calibri" pitchFamily="34" charset="0"/>
                           <a:cs typeface="Calibri" pitchFamily="34" charset="0"/>
                         </a:rPr>
                         <a:t>)</a:t>
                       </a:r>
                       <a:r>
-                        <a:rPr lang="ru-RU" sz="1800" baseline="0" dirty="0" smtClean="0">
+                        <a:rPr lang="ru-RU" sz="1800" baseline="0" dirty="0">
                           <a:latin typeface="Calibri" pitchFamily="34" charset="0"/>
                           <a:cs typeface="Calibri" pitchFamily="34" charset="0"/>
                         </a:rPr>
@@ -2851,6 +2800,11 @@
                   </a:txBody>
                   <a:tcPr/>
                 </a:tc>
+                <a:extLst>
+                  <a:ext uri="{0D108BD9-81ED-4DB2-BD59-A6C34878D82A}">
+                    <a16:rowId xmlns:a16="http://schemas.microsoft.com/office/drawing/2014/main" val="10005"/>
+                  </a:ext>
+                </a:extLst>
               </a:tr>
               <a:tr h="370840">
                 <a:tc>
@@ -2859,16 +2813,12 @@
                     <a:lstStyle/>
                     <a:p>
                       <a:r>
-                        <a:rPr lang="en-US" sz="1800" dirty="0" smtClean="0">
+                        <a:rPr lang="en-US" sz="1800" dirty="0">
                           <a:latin typeface="Calibri" pitchFamily="34" charset="0"/>
                           <a:cs typeface="Calibri" pitchFamily="34" charset="0"/>
                         </a:rPr>
                         <a:t>DELETE</a:t>
                       </a:r>
-                      <a:endParaRPr lang="en-US" sz="1800" dirty="0">
-                        <a:latin typeface="Calibri" pitchFamily="34" charset="0"/>
-                        <a:cs typeface="Calibri" pitchFamily="34" charset="0"/>
-                      </a:endParaRPr>
                     </a:p>
                   </a:txBody>
                   <a:tcPr/>
@@ -2879,14 +2829,14 @@
                     <a:lstStyle/>
                     <a:p>
                       <a:r>
-                        <a:rPr lang="ru-RU" sz="1800" dirty="0" smtClean="0">
+                        <a:rPr lang="ru-RU" sz="1800" dirty="0">
                           <a:latin typeface="Calibri" pitchFamily="34" charset="0"/>
                           <a:cs typeface="Calibri" pitchFamily="34" charset="0"/>
                         </a:rPr>
                         <a:t>Удаление ресурса</a:t>
                       </a:r>
                       <a:r>
-                        <a:rPr lang="ru-RU" sz="1800" baseline="0" dirty="0" smtClean="0">
+                        <a:rPr lang="ru-RU" sz="1800" baseline="0" dirty="0">
                           <a:latin typeface="Calibri" pitchFamily="34" charset="0"/>
                           <a:cs typeface="Calibri" pitchFamily="34" charset="0"/>
                         </a:rPr>
@@ -2900,6 +2850,11 @@
                   </a:txBody>
                   <a:tcPr/>
                 </a:tc>
+                <a:extLst>
+                  <a:ext uri="{0D108BD9-81ED-4DB2-BD59-A6C34878D82A}">
+                    <a16:rowId xmlns:a16="http://schemas.microsoft.com/office/drawing/2014/main" val="10006"/>
+                  </a:ext>
+                </a:extLst>
               </a:tr>
               <a:tr h="370840">
                 <a:tc>
@@ -2908,16 +2863,12 @@
                     <a:lstStyle/>
                     <a:p>
                       <a:r>
-                        <a:rPr lang="en-US" sz="1800" dirty="0" smtClean="0">
+                        <a:rPr lang="en-US" sz="1800" dirty="0">
                           <a:latin typeface="Calibri" pitchFamily="34" charset="0"/>
                           <a:cs typeface="Calibri" pitchFamily="34" charset="0"/>
                         </a:rPr>
                         <a:t>CONNECT</a:t>
                       </a:r>
-                      <a:endParaRPr lang="en-US" sz="1800" dirty="0">
-                        <a:latin typeface="Calibri" pitchFamily="34" charset="0"/>
-                        <a:cs typeface="Calibri" pitchFamily="34" charset="0"/>
-                      </a:endParaRPr>
                     </a:p>
                   </a:txBody>
                   <a:tcPr/>
@@ -2928,21 +2879,21 @@
                     <a:lstStyle/>
                     <a:p>
                       <a:r>
-                        <a:rPr lang="ru-RU" sz="1800" dirty="0" smtClean="0">
+                        <a:rPr lang="ru-RU" sz="1800" dirty="0">
                           <a:latin typeface="Calibri" pitchFamily="34" charset="0"/>
                           <a:cs typeface="Calibri" pitchFamily="34" charset="0"/>
                         </a:rPr>
                         <a:t>Команда для использования </a:t>
                       </a:r>
                       <a:r>
-                        <a:rPr lang="ru-RU" sz="1800" dirty="0" err="1" smtClean="0">
+                        <a:rPr lang="ru-RU" sz="1800" dirty="0" err="1">
                           <a:latin typeface="Calibri" pitchFamily="34" charset="0"/>
                           <a:cs typeface="Calibri" pitchFamily="34" charset="0"/>
                         </a:rPr>
                         <a:t>прокси</a:t>
                       </a:r>
                       <a:r>
-                        <a:rPr lang="ru-RU" sz="1800" baseline="0" dirty="0" smtClean="0">
+                        <a:rPr lang="ru-RU" sz="1800" baseline="0" dirty="0">
                           <a:latin typeface="Calibri" pitchFamily="34" charset="0"/>
                           <a:cs typeface="Calibri" pitchFamily="34" charset="0"/>
                         </a:rPr>
@@ -2956,6 +2907,11 @@
                   </a:txBody>
                   <a:tcPr/>
                 </a:tc>
+                <a:extLst>
+                  <a:ext uri="{0D108BD9-81ED-4DB2-BD59-A6C34878D82A}">
+                    <a16:rowId xmlns:a16="http://schemas.microsoft.com/office/drawing/2014/main" val="10007"/>
+                  </a:ext>
+                </a:extLst>
               </a:tr>
             </a:tbl>
           </a:graphicData>
@@ -2964,20 +2920,13 @@
     </p:spTree>
     <p:extLst>
       <p:ext uri="{BB962C8B-B14F-4D97-AF65-F5344CB8AC3E}">
-        <p14:creationId xmlns="" xmlns:p14="http://schemas.microsoft.com/office/powerpoint/2010/main" val="4126915530"/>
+        <p14:creationId xmlns:p14="http://schemas.microsoft.com/office/powerpoint/2010/main" val="4126915530"/>
       </p:ext>
     </p:extLst>
   </p:cSld>
   <p:clrMapOvr>
     <a:masterClrMapping/>
   </p:clrMapOvr>
-  <p:timing>
-    <p:tnLst>
-      <p:par>
-        <p:cTn id="1" dur="indefinite" restart="never" nodeType="tmRoot"/>
-      </p:par>
-    </p:tnLst>
-  </p:timing>
 </p:sld>
 </file>
 
@@ -3014,13 +2963,13 @@
           <a:lstStyle/>
           <a:p>
             <a:r>
-              <a:rPr lang="en-US" dirty="0" smtClean="0">
+              <a:rPr lang="en-US" dirty="0">
                 <a:latin typeface="Calibri" pitchFamily="34" charset="0"/>
               </a:rPr>
               <a:t>HTTP</a:t>
             </a:r>
             <a:r>
-              <a:rPr lang="ru-RU" dirty="0" smtClean="0">
+              <a:rPr lang="ru-RU" dirty="0">
                 <a:latin typeface="Calibri" pitchFamily="34" charset="0"/>
               </a:rPr>
               <a:t> протокол </a:t>
@@ -3050,8 +2999,20 @@
                 <a:tableStyleId>{5C22544A-7EE6-4342-B048-85BDC9FD1C3A}</a:tableStyleId>
               </a:tblPr>
               <a:tblGrid>
-                <a:gridCol w="2377440"/>
-                <a:gridCol w="4754880"/>
+                <a:gridCol w="2377440">
+                  <a:extLst>
+                    <a:ext uri="{9D8B030D-6E8A-4147-A177-3AD203B41FA5}">
+                      <a16:colId xmlns:a16="http://schemas.microsoft.com/office/drawing/2014/main" val="20000"/>
+                    </a:ext>
+                  </a:extLst>
+                </a:gridCol>
+                <a:gridCol w="4754880">
+                  <a:extLst>
+                    <a:ext uri="{9D8B030D-6E8A-4147-A177-3AD203B41FA5}">
+                      <a16:colId xmlns:a16="http://schemas.microsoft.com/office/drawing/2014/main" val="20001"/>
+                    </a:ext>
+                  </a:extLst>
+                </a:gridCol>
               </a:tblGrid>
               <a:tr h="370840">
                 <a:tc>
@@ -3061,7 +3022,7 @@
                     <a:p>
                       <a:pPr algn="ctr"/>
                       <a:r>
-                        <a:rPr lang="ru-RU" sz="1800" b="1" dirty="0" smtClean="0">
+                        <a:rPr lang="ru-RU" sz="1800" b="1" dirty="0">
                           <a:solidFill>
                             <a:schemeClr val="bg1"/>
                           </a:solidFill>
@@ -3086,7 +3047,7 @@
                     <a:p>
                       <a:pPr algn="ctr"/>
                       <a:r>
-                        <a:rPr lang="ru-RU" sz="1800" dirty="0" smtClean="0">
+                        <a:rPr lang="ru-RU" sz="1800" dirty="0">
                           <a:latin typeface="Calibri" pitchFamily="34" charset="0"/>
                         </a:rPr>
                         <a:t>Описание</a:t>
@@ -3098,6 +3059,11 @@
                   </a:txBody>
                   <a:tcPr/>
                 </a:tc>
+                <a:extLst>
+                  <a:ext uri="{0D108BD9-81ED-4DB2-BD59-A6C34878D82A}">
+                    <a16:rowId xmlns:a16="http://schemas.microsoft.com/office/drawing/2014/main" val="10000"/>
+                  </a:ext>
+                </a:extLst>
               </a:tr>
               <a:tr h="370840">
                 <a:tc>
@@ -3106,23 +3072,19 @@
                     <a:lstStyle/>
                     <a:p>
                       <a:r>
-                        <a:rPr lang="ru-RU" sz="1800" dirty="0" smtClean="0">
+                        <a:rPr lang="ru-RU" sz="1800" dirty="0">
                           <a:latin typeface="Calibri" pitchFamily="34" charset="0"/>
                           <a:cs typeface="Calibri" pitchFamily="34" charset="0"/>
                         </a:rPr>
                         <a:t>1</a:t>
                       </a:r>
                       <a:r>
-                        <a:rPr lang="en-US" sz="1800" dirty="0" smtClean="0">
+                        <a:rPr lang="en-US" sz="1800" dirty="0">
                           <a:latin typeface="Calibri" pitchFamily="34" charset="0"/>
                           <a:cs typeface="Calibri" pitchFamily="34" charset="0"/>
                         </a:rPr>
                         <a:t>xx</a:t>
                       </a:r>
-                      <a:endParaRPr lang="en-US" sz="1800" dirty="0">
-                        <a:latin typeface="Calibri" pitchFamily="34" charset="0"/>
-                        <a:cs typeface="Calibri" pitchFamily="34" charset="0"/>
-                      </a:endParaRPr>
                     </a:p>
                   </a:txBody>
                   <a:tcPr/>
@@ -3133,14 +3095,14 @@
                     <a:lstStyle/>
                     <a:p>
                       <a:r>
-                        <a:rPr lang="ru-RU" sz="1800" dirty="0" smtClean="0">
+                        <a:rPr lang="ru-RU" sz="1800" dirty="0">
                           <a:latin typeface="Calibri" pitchFamily="34" charset="0"/>
                           <a:cs typeface="Calibri" pitchFamily="34" charset="0"/>
                         </a:rPr>
                         <a:t>Информационные</a:t>
                       </a:r>
                       <a:r>
-                        <a:rPr lang="ru-RU" sz="1800" baseline="0" dirty="0" smtClean="0">
+                        <a:rPr lang="ru-RU" sz="1800" baseline="0" dirty="0">
                           <a:latin typeface="Calibri" pitchFamily="34" charset="0"/>
                           <a:cs typeface="Calibri" pitchFamily="34" charset="0"/>
                         </a:rPr>
@@ -3154,6 +3116,11 @@
                   </a:txBody>
                   <a:tcPr/>
                 </a:tc>
+                <a:extLst>
+                  <a:ext uri="{0D108BD9-81ED-4DB2-BD59-A6C34878D82A}">
+                    <a16:rowId xmlns:a16="http://schemas.microsoft.com/office/drawing/2014/main" val="10001"/>
+                  </a:ext>
+                </a:extLst>
               </a:tr>
               <a:tr h="370840">
                 <a:tc>
@@ -3162,7 +3129,7 @@
                     <a:lstStyle/>
                     <a:p>
                       <a:r>
-                        <a:rPr lang="en-US" sz="1800" dirty="0" err="1" smtClean="0">
+                        <a:rPr lang="en-US" sz="1800" dirty="0" err="1">
                           <a:latin typeface="Calibri" pitchFamily="34" charset="0"/>
                           <a:cs typeface="Calibri" pitchFamily="34" charset="0"/>
                         </a:rPr>
@@ -3182,14 +3149,14 @@
                     <a:lstStyle/>
                     <a:p>
                       <a:r>
-                        <a:rPr lang="ru-RU" sz="1800" dirty="0" smtClean="0">
+                        <a:rPr lang="ru-RU" sz="1800" dirty="0">
                           <a:latin typeface="Calibri" pitchFamily="34" charset="0"/>
                           <a:cs typeface="Calibri" pitchFamily="34" charset="0"/>
                         </a:rPr>
                         <a:t>Успешное завершение</a:t>
                       </a:r>
                       <a:r>
-                        <a:rPr lang="ru-RU" sz="1800" baseline="0" dirty="0" smtClean="0">
+                        <a:rPr lang="ru-RU" sz="1800" baseline="0" dirty="0">
                           <a:latin typeface="Calibri" pitchFamily="34" charset="0"/>
                           <a:cs typeface="Calibri" pitchFamily="34" charset="0"/>
                         </a:rPr>
@@ -3203,6 +3170,11 @@
                   </a:txBody>
                   <a:tcPr/>
                 </a:tc>
+                <a:extLst>
+                  <a:ext uri="{0D108BD9-81ED-4DB2-BD59-A6C34878D82A}">
+                    <a16:rowId xmlns:a16="http://schemas.microsoft.com/office/drawing/2014/main" val="10002"/>
+                  </a:ext>
+                </a:extLst>
               </a:tr>
               <a:tr h="370840">
                 <a:tc>
@@ -3211,7 +3183,7 @@
                     <a:lstStyle/>
                     <a:p>
                       <a:r>
-                        <a:rPr lang="en-US" sz="1800" dirty="0" err="1" smtClean="0">
+                        <a:rPr lang="en-US" sz="1800" dirty="0" err="1">
                           <a:latin typeface="Calibri" pitchFamily="34" charset="0"/>
                           <a:cs typeface="Calibri" pitchFamily="34" charset="0"/>
                         </a:rPr>
@@ -3231,14 +3203,14 @@
                     <a:lstStyle/>
                     <a:p>
                       <a:r>
-                        <a:rPr lang="ru-RU" sz="1800" dirty="0" smtClean="0">
+                        <a:rPr lang="ru-RU" sz="1800" dirty="0">
                           <a:latin typeface="Calibri" pitchFamily="34" charset="0"/>
                           <a:cs typeface="Calibri" pitchFamily="34" charset="0"/>
                         </a:rPr>
                         <a:t>Команды </a:t>
                       </a:r>
                       <a:r>
-                        <a:rPr lang="ru-RU" sz="1800" dirty="0" err="1" smtClean="0">
+                        <a:rPr lang="ru-RU" sz="1800" dirty="0" err="1">
                           <a:latin typeface="Calibri" pitchFamily="34" charset="0"/>
                           <a:cs typeface="Calibri" pitchFamily="34" charset="0"/>
                         </a:rPr>
@@ -3252,6 +3224,11 @@
                   </a:txBody>
                   <a:tcPr/>
                 </a:tc>
+                <a:extLst>
+                  <a:ext uri="{0D108BD9-81ED-4DB2-BD59-A6C34878D82A}">
+                    <a16:rowId xmlns:a16="http://schemas.microsoft.com/office/drawing/2014/main" val="10003"/>
+                  </a:ext>
+                </a:extLst>
               </a:tr>
               <a:tr h="370840">
                 <a:tc>
@@ -3260,7 +3237,7 @@
                     <a:lstStyle/>
                     <a:p>
                       <a:r>
-                        <a:rPr lang="en-US" sz="1800" dirty="0" err="1" smtClean="0">
+                        <a:rPr lang="en-US" sz="1800" dirty="0" err="1">
                           <a:latin typeface="Calibri" pitchFamily="34" charset="0"/>
                           <a:cs typeface="Calibri" pitchFamily="34" charset="0"/>
                         </a:rPr>
@@ -3280,14 +3257,14 @@
                     <a:lstStyle/>
                     <a:p>
                       <a:r>
-                        <a:rPr lang="ru-RU" sz="1800" dirty="0" smtClean="0">
+                        <a:rPr lang="ru-RU" sz="1800" dirty="0">
                           <a:latin typeface="Calibri" pitchFamily="34" charset="0"/>
                           <a:cs typeface="Calibri" pitchFamily="34" charset="0"/>
                         </a:rPr>
                         <a:t>Клиентские ошибки</a:t>
                       </a:r>
                       <a:r>
-                        <a:rPr lang="ru-RU" sz="1800" baseline="0" dirty="0" smtClean="0">
+                        <a:rPr lang="ru-RU" sz="1800" baseline="0" dirty="0">
                           <a:latin typeface="Calibri" pitchFamily="34" charset="0"/>
                           <a:cs typeface="Calibri" pitchFamily="34" charset="0"/>
                         </a:rPr>
@@ -3301,6 +3278,11 @@
                   </a:txBody>
                   <a:tcPr/>
                 </a:tc>
+                <a:extLst>
+                  <a:ext uri="{0D108BD9-81ED-4DB2-BD59-A6C34878D82A}">
+                    <a16:rowId xmlns:a16="http://schemas.microsoft.com/office/drawing/2014/main" val="10004"/>
+                  </a:ext>
+                </a:extLst>
               </a:tr>
               <a:tr h="370840">
                 <a:tc>
@@ -3309,7 +3291,7 @@
                     <a:lstStyle/>
                     <a:p>
                       <a:r>
-                        <a:rPr lang="en-US" sz="1800" dirty="0" err="1" smtClean="0">
+                        <a:rPr lang="en-US" sz="1800" dirty="0" err="1">
                           <a:latin typeface="Calibri" pitchFamily="34" charset="0"/>
                           <a:cs typeface="Calibri" pitchFamily="34" charset="0"/>
                         </a:rPr>
@@ -3329,14 +3311,14 @@
                     <a:lstStyle/>
                     <a:p>
                       <a:r>
-                        <a:rPr lang="ru-RU" sz="1800" dirty="0" smtClean="0">
+                        <a:rPr lang="ru-RU" sz="1800" dirty="0">
                           <a:latin typeface="Calibri" pitchFamily="34" charset="0"/>
                           <a:cs typeface="Calibri" pitchFamily="34" charset="0"/>
                         </a:rPr>
                         <a:t>Серверные ошибки</a:t>
                       </a:r>
                       <a:r>
-                        <a:rPr lang="ru-RU" sz="1800" baseline="0" dirty="0" smtClean="0">
+                        <a:rPr lang="ru-RU" sz="1800" baseline="0" dirty="0">
                           <a:latin typeface="Calibri" pitchFamily="34" charset="0"/>
                           <a:cs typeface="Calibri" pitchFamily="34" charset="0"/>
                         </a:rPr>
@@ -3350,6 +3332,11 @@
                   </a:txBody>
                   <a:tcPr/>
                 </a:tc>
+                <a:extLst>
+                  <a:ext uri="{0D108BD9-81ED-4DB2-BD59-A6C34878D82A}">
+                    <a16:rowId xmlns:a16="http://schemas.microsoft.com/office/drawing/2014/main" val="10005"/>
+                  </a:ext>
+                </a:extLst>
               </a:tr>
             </a:tbl>
           </a:graphicData>
@@ -3379,7 +3366,7 @@
           <a:p>
             <a:pPr algn="ctr"/>
             <a:r>
-              <a:rPr lang="ru-RU" dirty="0" smtClean="0">
+              <a:rPr lang="ru-RU" dirty="0">
                 <a:latin typeface="Calibri" pitchFamily="34" charset="0"/>
                 <a:cs typeface="Calibri" pitchFamily="34" charset="0"/>
               </a:rPr>
@@ -3395,20 +3382,13 @@
     </p:spTree>
     <p:extLst>
       <p:ext uri="{BB962C8B-B14F-4D97-AF65-F5344CB8AC3E}">
-        <p14:creationId xmlns="" xmlns:p14="http://schemas.microsoft.com/office/powerpoint/2010/main" val="2015409003"/>
+        <p14:creationId xmlns:p14="http://schemas.microsoft.com/office/powerpoint/2010/main" val="2015409003"/>
       </p:ext>
     </p:extLst>
   </p:cSld>
   <p:clrMapOvr>
     <a:masterClrMapping/>
   </p:clrMapOvr>
-  <p:timing>
-    <p:tnLst>
-      <p:par>
-        <p:cTn id="1" dur="indefinite" restart="never" nodeType="tmRoot"/>
-      </p:par>
-    </p:tnLst>
-  </p:timing>
 </p:sld>
 </file>
 
@@ -3445,14 +3425,11 @@
           <a:lstStyle/>
           <a:p>
             <a:r>
-              <a:rPr lang="en-US" dirty="0" smtClean="0">
+              <a:rPr lang="en-US" dirty="0">
                 <a:latin typeface="Calibri" pitchFamily="34" charset="0"/>
               </a:rPr>
               <a:t>AJAX</a:t>
             </a:r>
-            <a:endParaRPr lang="en-US" dirty="0">
-              <a:latin typeface="Calibri" pitchFamily="34" charset="0"/>
-            </a:endParaRPr>
           </a:p>
         </p:txBody>
       </p:sp>
@@ -3465,7 +3442,7 @@
         <p:spPr>
           <a:xfrm>
             <a:off x="548640" y="2023110"/>
-            <a:ext cx="8138160" cy="1169551"/>
+            <a:ext cx="8138160" cy="1446550"/>
           </a:xfrm>
           <a:prstGeom prst="rect">
             <a:avLst/>
@@ -3480,156 +3457,160 @@
           <a:p>
             <a:pPr algn="ctr"/>
             <a:r>
-              <a:rPr lang="en-US" b="1" dirty="0" smtClean="0">
+              <a:rPr lang="en-US" b="1" dirty="0">
                 <a:latin typeface="Calibri" pitchFamily="34" charset="0"/>
                 <a:cs typeface="Calibri" pitchFamily="34" charset="0"/>
               </a:rPr>
               <a:t>Asynchronous JavaScript And XML</a:t>
             </a:r>
+            <a:endParaRPr lang="ru-RU" b="1" dirty="0">
+              <a:latin typeface="Calibri" pitchFamily="34" charset="0"/>
+              <a:cs typeface="Calibri" pitchFamily="34" charset="0"/>
+            </a:endParaRPr>
+          </a:p>
+          <a:p>
+            <a:pPr algn="ctr"/>
+            <a:endParaRPr lang="en-US" b="1" dirty="0">
+              <a:latin typeface="Calibri" pitchFamily="34" charset="0"/>
+              <a:cs typeface="Calibri" pitchFamily="34" charset="0"/>
+            </a:endParaRPr>
           </a:p>
           <a:p>
             <a:pPr algn="just"/>
             <a:r>
-              <a:rPr lang="en-US" dirty="0" smtClean="0">
+              <a:rPr lang="en-US" dirty="0">
                 <a:latin typeface="Calibri" pitchFamily="34" charset="0"/>
                 <a:cs typeface="Calibri" pitchFamily="34" charset="0"/>
               </a:rPr>
               <a:t>AJAX</a:t>
             </a:r>
             <a:r>
-              <a:rPr lang="ru-RU" dirty="0" smtClean="0">
+              <a:rPr lang="ru-RU" dirty="0">
                 <a:latin typeface="Calibri" pitchFamily="34" charset="0"/>
                 <a:cs typeface="Calibri" pitchFamily="34" charset="0"/>
               </a:rPr>
               <a:t> </a:t>
             </a:r>
             <a:r>
-              <a:rPr lang="en-US" dirty="0" smtClean="0">
+              <a:rPr lang="en-US" dirty="0">
                 <a:latin typeface="Calibri" pitchFamily="34" charset="0"/>
                 <a:cs typeface="Calibri" pitchFamily="34" charset="0"/>
               </a:rPr>
               <a:t>–</a:t>
             </a:r>
             <a:r>
-              <a:rPr lang="ru-RU" dirty="0" smtClean="0">
+              <a:rPr lang="ru-RU" dirty="0">
                 <a:latin typeface="Calibri" pitchFamily="34" charset="0"/>
                 <a:cs typeface="Calibri" pitchFamily="34" charset="0"/>
               </a:rPr>
               <a:t> </a:t>
             </a:r>
             <a:r>
-              <a:rPr lang="en-US" dirty="0" smtClean="0">
+              <a:rPr lang="en-US" dirty="0">
                 <a:latin typeface="Calibri" pitchFamily="34" charset="0"/>
                 <a:cs typeface="Calibri" pitchFamily="34" charset="0"/>
               </a:rPr>
-              <a:t>Asynchronous </a:t>
-            </a:r>
-            <a:r>
-              <a:rPr lang="en-US" dirty="0" smtClean="0">
+              <a:t>Asynchronous JavaScript And XML. </a:t>
+            </a:r>
+            <a:r>
+              <a:rPr lang="uk-UA" dirty="0">
                 <a:latin typeface="Calibri" pitchFamily="34" charset="0"/>
                 <a:cs typeface="Calibri" pitchFamily="34" charset="0"/>
               </a:rPr>
-              <a:t>JavaScript And XML. </a:t>
-            </a:r>
-            <a:r>
-              <a:rPr lang="uk-UA" dirty="0" smtClean="0">
+              <a:t>Модель для </a:t>
+            </a:r>
+            <a:r>
+              <a:rPr lang="uk-UA" dirty="0" err="1">
                 <a:latin typeface="Calibri" pitchFamily="34" charset="0"/>
                 <a:cs typeface="Calibri" pitchFamily="34" charset="0"/>
               </a:rPr>
-              <a:t>Модель для </a:t>
-            </a:r>
-            <a:r>
-              <a:rPr lang="uk-UA" dirty="0" err="1" smtClean="0">
+              <a:t>запросов</a:t>
+            </a:r>
+            <a:r>
+              <a:rPr lang="uk-UA" dirty="0">
                 <a:latin typeface="Calibri" pitchFamily="34" charset="0"/>
                 <a:cs typeface="Calibri" pitchFamily="34" charset="0"/>
               </a:rPr>
-              <a:t>запросов</a:t>
-            </a:r>
-            <a:r>
-              <a:rPr lang="uk-UA" dirty="0" smtClean="0">
+              <a:t> </a:t>
+            </a:r>
+            <a:r>
+              <a:rPr lang="uk-UA" dirty="0" err="1">
                 <a:latin typeface="Calibri" pitchFamily="34" charset="0"/>
                 <a:cs typeface="Calibri" pitchFamily="34" charset="0"/>
               </a:rPr>
+              <a:t>данных</a:t>
+            </a:r>
+            <a:r>
+              <a:rPr lang="uk-UA" dirty="0">
+                <a:latin typeface="Calibri" pitchFamily="34" charset="0"/>
+                <a:cs typeface="Calibri" pitchFamily="34" charset="0"/>
+              </a:rPr>
+              <a:t> от сервера в </a:t>
+            </a:r>
+            <a:r>
+              <a:rPr lang="uk-UA" dirty="0" err="1">
+                <a:latin typeface="Calibri" pitchFamily="34" charset="0"/>
+                <a:cs typeface="Calibri" pitchFamily="34" charset="0"/>
+              </a:rPr>
+              <a:t>фоновом</a:t>
+            </a:r>
+            <a:r>
+              <a:rPr lang="uk-UA" dirty="0">
+                <a:latin typeface="Calibri" pitchFamily="34" charset="0"/>
+                <a:cs typeface="Calibri" pitchFamily="34" charset="0"/>
+              </a:rPr>
               <a:t> </a:t>
             </a:r>
             <a:r>
-              <a:rPr lang="uk-UA" dirty="0" err="1" smtClean="0">
+              <a:rPr lang="uk-UA" dirty="0" err="1">
                 <a:latin typeface="Calibri" pitchFamily="34" charset="0"/>
                 <a:cs typeface="Calibri" pitchFamily="34" charset="0"/>
               </a:rPr>
-              <a:t>данных</a:t>
-            </a:r>
-            <a:r>
-              <a:rPr lang="uk-UA" dirty="0" smtClean="0">
+              <a:t>режиме</a:t>
+            </a:r>
+            <a:r>
+              <a:rPr lang="uk-UA" dirty="0">
                 <a:latin typeface="Calibri" pitchFamily="34" charset="0"/>
                 <a:cs typeface="Calibri" pitchFamily="34" charset="0"/>
               </a:rPr>
-              <a:t> от сервера в </a:t>
-            </a:r>
-            <a:r>
-              <a:rPr lang="uk-UA" dirty="0" err="1" smtClean="0">
+              <a:t>, без </a:t>
+            </a:r>
+            <a:r>
+              <a:rPr lang="uk-UA" dirty="0" err="1">
                 <a:latin typeface="Calibri" pitchFamily="34" charset="0"/>
                 <a:cs typeface="Calibri" pitchFamily="34" charset="0"/>
               </a:rPr>
-              <a:t>фоновом</a:t>
-            </a:r>
-            <a:r>
-              <a:rPr lang="uk-UA" dirty="0" smtClean="0">
+              <a:t>перезагрузки</a:t>
+            </a:r>
+            <a:r>
+              <a:rPr lang="uk-UA" dirty="0">
                 <a:latin typeface="Calibri" pitchFamily="34" charset="0"/>
                 <a:cs typeface="Calibri" pitchFamily="34" charset="0"/>
               </a:rPr>
               <a:t> </a:t>
             </a:r>
             <a:r>
-              <a:rPr lang="uk-UA" dirty="0" err="1" smtClean="0">
+              <a:rPr lang="uk-UA" dirty="0" err="1">
                 <a:latin typeface="Calibri" pitchFamily="34" charset="0"/>
                 <a:cs typeface="Calibri" pitchFamily="34" charset="0"/>
               </a:rPr>
-              <a:t>режиме</a:t>
-            </a:r>
-            <a:r>
-              <a:rPr lang="uk-UA" dirty="0" smtClean="0">
+              <a:t>веб-страницы</a:t>
+            </a:r>
+            <a:r>
+              <a:rPr lang="uk-UA" dirty="0">
                 <a:latin typeface="Calibri" pitchFamily="34" charset="0"/>
                 <a:cs typeface="Calibri" pitchFamily="34" charset="0"/>
               </a:rPr>
-              <a:t>, без </a:t>
-            </a:r>
-            <a:r>
-              <a:rPr lang="uk-UA" dirty="0" err="1" smtClean="0">
+              <a:t>.</a:t>
+            </a:r>
+            <a:r>
+              <a:rPr lang="en-US" dirty="0">
                 <a:latin typeface="Calibri" pitchFamily="34" charset="0"/>
                 <a:cs typeface="Calibri" pitchFamily="34" charset="0"/>
               </a:rPr>
-              <a:t>перезагрузки</a:t>
-            </a:r>
-            <a:r>
-              <a:rPr lang="uk-UA" dirty="0" smtClean="0">
-                <a:latin typeface="Calibri" pitchFamily="34" charset="0"/>
-                <a:cs typeface="Calibri" pitchFamily="34" charset="0"/>
-              </a:rPr>
-              <a:t> </a:t>
-            </a:r>
-            <a:r>
-              <a:rPr lang="uk-UA" dirty="0" err="1" smtClean="0">
-                <a:latin typeface="Calibri" pitchFamily="34" charset="0"/>
-                <a:cs typeface="Calibri" pitchFamily="34" charset="0"/>
-              </a:rPr>
-              <a:t>веб-страницы</a:t>
-            </a:r>
-            <a:r>
-              <a:rPr lang="uk-UA" dirty="0" smtClean="0">
-                <a:latin typeface="Calibri" pitchFamily="34" charset="0"/>
-                <a:cs typeface="Calibri" pitchFamily="34" charset="0"/>
-              </a:rPr>
-              <a:t>.</a:t>
-            </a:r>
-            <a:r>
-              <a:rPr lang="en-US" dirty="0" smtClean="0">
-                <a:latin typeface="Calibri" pitchFamily="34" charset="0"/>
-                <a:cs typeface="Calibri" pitchFamily="34" charset="0"/>
-              </a:rPr>
               <a:t>  </a:t>
             </a:r>
-            <a:endParaRPr lang="uk-UA" dirty="0" smtClean="0">
+            <a:endParaRPr lang="uk-UA" dirty="0">
               <a:latin typeface="Calibri" pitchFamily="34" charset="0"/>
               <a:cs typeface="Calibri" pitchFamily="34" charset="0"/>
             </a:endParaRPr>
@@ -3646,20 +3627,13 @@
     </p:spTree>
     <p:extLst>
       <p:ext uri="{BB962C8B-B14F-4D97-AF65-F5344CB8AC3E}">
-        <p14:creationId xmlns="" xmlns:p14="http://schemas.microsoft.com/office/powerpoint/2010/main" val="384071384"/>
+        <p14:creationId xmlns:p14="http://schemas.microsoft.com/office/powerpoint/2010/main" val="384071384"/>
       </p:ext>
     </p:extLst>
   </p:cSld>
   <p:clrMapOvr>
     <a:masterClrMapping/>
   </p:clrMapOvr>
-  <p:timing>
-    <p:tnLst>
-      <p:par>
-        <p:cTn id="1" dur="indefinite" restart="never" nodeType="tmRoot"/>
-      </p:par>
-    </p:tnLst>
-  </p:timing>
 </p:sld>
 </file>
 
@@ -3696,14 +3670,11 @@
           <a:lstStyle/>
           <a:p>
             <a:r>
-              <a:rPr lang="en-US" dirty="0" smtClean="0">
+              <a:rPr lang="en-US" dirty="0">
                 <a:latin typeface="Calibri" pitchFamily="34" charset="0"/>
               </a:rPr>
               <a:t>AJAX</a:t>
             </a:r>
-            <a:endParaRPr lang="en-US" dirty="0">
-              <a:latin typeface="Calibri" pitchFamily="34" charset="0"/>
-            </a:endParaRPr>
           </a:p>
         </p:txBody>
       </p:sp>
@@ -3762,42 +3733,42 @@
           <a:lstStyle/>
           <a:p>
             <a:r>
-              <a:rPr lang="uk-UA" dirty="0" smtClean="0">
+              <a:rPr lang="uk-UA" dirty="0">
                 <a:latin typeface="Calibri" pitchFamily="34" charset="0"/>
                 <a:cs typeface="Calibri" pitchFamily="34" charset="0"/>
               </a:rPr>
               <a:t>Модель </a:t>
             </a:r>
             <a:r>
-              <a:rPr lang="uk-UA" dirty="0" err="1" smtClean="0">
+              <a:rPr lang="uk-UA" dirty="0" err="1">
                 <a:latin typeface="Calibri" pitchFamily="34" charset="0"/>
                 <a:cs typeface="Calibri" pitchFamily="34" charset="0"/>
               </a:rPr>
               <a:t>классического</a:t>
             </a:r>
             <a:r>
-              <a:rPr lang="uk-UA" dirty="0" smtClean="0">
+              <a:rPr lang="uk-UA" dirty="0">
                 <a:latin typeface="Calibri" pitchFamily="34" charset="0"/>
                 <a:cs typeface="Calibri" pitchFamily="34" charset="0"/>
               </a:rPr>
               <a:t> </a:t>
             </a:r>
             <a:r>
-              <a:rPr lang="uk-UA" dirty="0" err="1" smtClean="0">
+              <a:rPr lang="uk-UA" dirty="0" err="1">
                 <a:latin typeface="Calibri" pitchFamily="34" charset="0"/>
                 <a:cs typeface="Calibri" pitchFamily="34" charset="0"/>
               </a:rPr>
               <a:t>веб</a:t>
             </a:r>
             <a:r>
-              <a:rPr lang="uk-UA" dirty="0" smtClean="0">
+              <a:rPr lang="uk-UA" dirty="0">
                 <a:latin typeface="Calibri" pitchFamily="34" charset="0"/>
                 <a:cs typeface="Calibri" pitchFamily="34" charset="0"/>
               </a:rPr>
               <a:t> </a:t>
             </a:r>
             <a:r>
-              <a:rPr lang="uk-UA" dirty="0" err="1" smtClean="0">
+              <a:rPr lang="uk-UA" dirty="0" err="1">
                 <a:latin typeface="Calibri" pitchFamily="34" charset="0"/>
                 <a:cs typeface="Calibri" pitchFamily="34" charset="0"/>
               </a:rPr>
@@ -3813,20 +3784,13 @@
     </p:spTree>
     <p:extLst>
       <p:ext uri="{BB962C8B-B14F-4D97-AF65-F5344CB8AC3E}">
-        <p14:creationId xmlns="" xmlns:p14="http://schemas.microsoft.com/office/powerpoint/2010/main" val="384071384"/>
+        <p14:creationId xmlns:p14="http://schemas.microsoft.com/office/powerpoint/2010/main" val="384071384"/>
       </p:ext>
     </p:extLst>
   </p:cSld>
   <p:clrMapOvr>
     <a:masterClrMapping/>
   </p:clrMapOvr>
-  <p:timing>
-    <p:tnLst>
-      <p:par>
-        <p:cTn id="1" dur="indefinite" restart="never" nodeType="tmRoot"/>
-      </p:par>
-    </p:tnLst>
-  </p:timing>
 </p:sld>
 </file>
 
@@ -3863,14 +3827,11 @@
           <a:lstStyle/>
           <a:p>
             <a:r>
-              <a:rPr lang="en-US" dirty="0" smtClean="0">
+              <a:rPr lang="en-US" dirty="0">
                 <a:latin typeface="Calibri" pitchFamily="34" charset="0"/>
               </a:rPr>
               <a:t>AJAX</a:t>
             </a:r>
-            <a:endParaRPr lang="en-US" dirty="0">
-              <a:latin typeface="Calibri" pitchFamily="34" charset="0"/>
-            </a:endParaRPr>
           </a:p>
         </p:txBody>
       </p:sp>
@@ -3930,57 +3891,46 @@
           <a:p>
             <a:pPr algn="ctr"/>
             <a:r>
-              <a:rPr lang="uk-UA" dirty="0" smtClean="0">
+              <a:rPr lang="uk-UA" dirty="0">
                 <a:latin typeface="Calibri" pitchFamily="34" charset="0"/>
                 <a:cs typeface="Calibri" pitchFamily="34" charset="0"/>
               </a:rPr>
               <a:t>Модель </a:t>
             </a:r>
             <a:r>
-              <a:rPr lang="uk-UA" dirty="0" err="1" smtClean="0">
+              <a:rPr lang="uk-UA" dirty="0" err="1">
                 <a:latin typeface="Calibri" pitchFamily="34" charset="0"/>
                 <a:cs typeface="Calibri" pitchFamily="34" charset="0"/>
               </a:rPr>
               <a:t>приложения</a:t>
             </a:r>
             <a:r>
-              <a:rPr lang="uk-UA" dirty="0" smtClean="0">
+              <a:rPr lang="uk-UA" dirty="0">
                 <a:latin typeface="Calibri" pitchFamily="34" charset="0"/>
                 <a:cs typeface="Calibri" pitchFamily="34" charset="0"/>
               </a:rPr>
               <a:t> с </a:t>
             </a:r>
             <a:r>
-              <a:rPr lang="en-US" dirty="0" smtClean="0">
+              <a:rPr lang="en-US" dirty="0">
                 <a:latin typeface="Calibri" pitchFamily="34" charset="0"/>
                 <a:cs typeface="Calibri" pitchFamily="34" charset="0"/>
               </a:rPr>
               <a:t>AJAX</a:t>
             </a:r>
-            <a:endParaRPr lang="en-US" dirty="0">
-              <a:latin typeface="Calibri" pitchFamily="34" charset="0"/>
-              <a:cs typeface="Calibri" pitchFamily="34" charset="0"/>
-            </a:endParaRPr>
           </a:p>
         </p:txBody>
       </p:sp>
     </p:spTree>
     <p:extLst>
       <p:ext uri="{BB962C8B-B14F-4D97-AF65-F5344CB8AC3E}">
-        <p14:creationId xmlns="" xmlns:p14="http://schemas.microsoft.com/office/powerpoint/2010/main" val="384071384"/>
+        <p14:creationId xmlns:p14="http://schemas.microsoft.com/office/powerpoint/2010/main" val="384071384"/>
       </p:ext>
     </p:extLst>
   </p:cSld>
   <p:clrMapOvr>
     <a:masterClrMapping/>
   </p:clrMapOvr>
-  <p:timing>
-    <p:tnLst>
-      <p:par>
-        <p:cTn id="1" dur="indefinite" restart="never" nodeType="tmRoot"/>
-      </p:par>
-    </p:tnLst>
-  </p:timing>
 </p:sld>
 </file>
 
